--- a/gripping_algorithm/단일팔_검ㅈ,ㅇ.pptx
+++ b/gripping_algorithm/단일팔_검ㅈ,ㅇ.pptx
@@ -5,20 +5,22 @@
     <p:sldMasterId id="2147483793" r:id="rId1"/>
   </p:sldMasterIdLst>
   <p:notesMasterIdLst>
-    <p:notesMasterId r:id="rId10"/>
+    <p:notesMasterId r:id="rId12"/>
   </p:notesMasterIdLst>
   <p:handoutMasterIdLst>
-    <p:handoutMasterId r:id="rId11"/>
+    <p:handoutMasterId r:id="rId13"/>
   </p:handoutMasterIdLst>
   <p:sldIdLst>
     <p:sldId id="1680" r:id="rId2"/>
     <p:sldId id="1682" r:id="rId3"/>
     <p:sldId id="1701" r:id="rId4"/>
-    <p:sldId id="1694" r:id="rId5"/>
-    <p:sldId id="1699" r:id="rId6"/>
-    <p:sldId id="1698" r:id="rId7"/>
-    <p:sldId id="1700" r:id="rId8"/>
-    <p:sldId id="1702" r:id="rId9"/>
+    <p:sldId id="1703" r:id="rId5"/>
+    <p:sldId id="1704" r:id="rId6"/>
+    <p:sldId id="1694" r:id="rId7"/>
+    <p:sldId id="1699" r:id="rId8"/>
+    <p:sldId id="1698" r:id="rId9"/>
+    <p:sldId id="1700" r:id="rId10"/>
+    <p:sldId id="1702" r:id="rId11"/>
   </p:sldIdLst>
   <p:sldSz cx="9906000" cy="6858000" type="A4"/>
   <p:notesSz cx="6865938" cy="9998075"/>
@@ -221,7 +223,7 @@
           <a:p>
             <a:fld id="{F8AD971D-DF66-478C-BA07-46F4C10E8EB6}" type="datetimeFigureOut">
               <a:rPr lang="ko-KR" altLang="en-US" smtClean="0"/>
-              <a:t>2025-05-30</a:t>
+              <a:t>2025-05-31</a:t>
             </a:fld>
             <a:endParaRPr lang="ko-KR" altLang="en-US"/>
           </a:p>
@@ -386,7 +388,7 @@
           <a:p>
             <a:fld id="{163F3410-9B4E-4C11-B1BE-01D7CB6E0AE6}" type="datetimeFigureOut">
               <a:rPr lang="en-US" smtClean="0"/>
-              <a:t>5/30/2025</a:t>
+              <a:t>5/31/2025</a:t>
             </a:fld>
             <a:endParaRPr lang="en-US"/>
           </a:p>
@@ -880,6 +882,224 @@
         <p:cNvPr id="1" name="">
           <a:extLst>
             <a:ext uri="{FF2B5EF4-FFF2-40B4-BE49-F238E27FC236}">
+              <a16:creationId xmlns:a16="http://schemas.microsoft.com/office/drawing/2014/main" id="{65BB167A-2116-51A3-F19E-7458CAB8460E}"/>
+            </a:ext>
+          </a:extLst>
+        </p:cNvPr>
+        <p:cNvGrpSpPr/>
+        <p:nvPr/>
+      </p:nvGrpSpPr>
+      <p:grpSpPr>
+        <a:xfrm>
+          <a:off x="0" y="0"/>
+          <a:ext cx="0" cy="0"/>
+          <a:chOff x="0" y="0"/>
+          <a:chExt cx="0" cy="0"/>
+        </a:xfrm>
+      </p:grpSpPr>
+      <p:sp>
+        <p:nvSpPr>
+          <p:cNvPr id="2" name="슬라이드 이미지 개체 틀 1">
+            <a:extLst>
+              <a:ext uri="{FF2B5EF4-FFF2-40B4-BE49-F238E27FC236}">
+                <a16:creationId xmlns:a16="http://schemas.microsoft.com/office/drawing/2014/main" id="{B5FA12C5-0BD6-D344-7E9C-D5E27E893A67}"/>
+              </a:ext>
+            </a:extLst>
+          </p:cNvPr>
+          <p:cNvSpPr>
+            <a:spLocks noGrp="1" noRot="1" noChangeAspect="1"/>
+          </p:cNvSpPr>
+          <p:nvPr>
+            <p:ph type="sldImg"/>
+          </p:nvPr>
+        </p:nvSpPr>
+        <p:spPr/>
+      </p:sp>
+      <p:sp>
+        <p:nvSpPr>
+          <p:cNvPr id="3" name="슬라이드 노트 개체 틀 2">
+            <a:extLst>
+              <a:ext uri="{FF2B5EF4-FFF2-40B4-BE49-F238E27FC236}">
+                <a16:creationId xmlns:a16="http://schemas.microsoft.com/office/drawing/2014/main" id="{D16ACA49-51C0-860D-85A6-4B19250ECBFD}"/>
+              </a:ext>
+            </a:extLst>
+          </p:cNvPr>
+          <p:cNvSpPr>
+            <a:spLocks noGrp="1"/>
+          </p:cNvSpPr>
+          <p:nvPr>
+            <p:ph type="body" idx="1"/>
+          </p:nvPr>
+        </p:nvSpPr>
+        <p:spPr/>
+        <p:txBody>
+          <a:bodyPr/>
+          <a:lstStyle/>
+          <a:p>
+            <a:endParaRPr lang="ko-KR" altLang="en-US" baseline="0" dirty="0"/>
+          </a:p>
+        </p:txBody>
+      </p:sp>
+      <p:sp>
+        <p:nvSpPr>
+          <p:cNvPr id="4" name="슬라이드 번호 개체 틀 3">
+            <a:extLst>
+              <a:ext uri="{FF2B5EF4-FFF2-40B4-BE49-F238E27FC236}">
+                <a16:creationId xmlns:a16="http://schemas.microsoft.com/office/drawing/2014/main" id="{A7BD4F13-2187-DD0E-7C17-6F2751296A74}"/>
+              </a:ext>
+            </a:extLst>
+          </p:cNvPr>
+          <p:cNvSpPr>
+            <a:spLocks noGrp="1"/>
+          </p:cNvSpPr>
+          <p:nvPr>
+            <p:ph type="sldNum" sz="quarter" idx="10"/>
+          </p:nvPr>
+        </p:nvSpPr>
+        <p:spPr/>
+        <p:txBody>
+          <a:bodyPr/>
+          <a:lstStyle/>
+          <a:p>
+            <a:fld id="{70C2690E-5898-41F6-8DC7-4B43F1397684}" type="slidenum">
+              <a:rPr lang="en-US" smtClean="0"/>
+              <a:pPr/>
+              <a:t>4</a:t>
+            </a:fld>
+            <a:endParaRPr lang="en-US"/>
+          </a:p>
+        </p:txBody>
+      </p:sp>
+    </p:spTree>
+    <p:extLst>
+      <p:ext uri="{BB962C8B-B14F-4D97-AF65-F5344CB8AC3E}">
+        <p14:creationId xmlns:p14="http://schemas.microsoft.com/office/powerpoint/2010/main" val="723934893"/>
+      </p:ext>
+    </p:extLst>
+  </p:cSld>
+  <p:clrMapOvr>
+    <a:masterClrMapping/>
+  </p:clrMapOvr>
+</p:notes>
+</file>
+
+<file path=ppt/notesSlides/notesSlide4.xml><?xml version="1.0" encoding="utf-8"?>
+<p:notes xmlns:a="http://schemas.openxmlformats.org/drawingml/2006/main" xmlns:r="http://schemas.openxmlformats.org/officeDocument/2006/relationships" xmlns:p="http://schemas.openxmlformats.org/presentationml/2006/main">
+  <p:cSld>
+    <p:spTree>
+      <p:nvGrpSpPr>
+        <p:cNvPr id="1" name="">
+          <a:extLst>
+            <a:ext uri="{FF2B5EF4-FFF2-40B4-BE49-F238E27FC236}">
+              <a16:creationId xmlns:a16="http://schemas.microsoft.com/office/drawing/2014/main" id="{E921FFCD-DDEF-10B8-0957-2E0F8DC0E49D}"/>
+            </a:ext>
+          </a:extLst>
+        </p:cNvPr>
+        <p:cNvGrpSpPr/>
+        <p:nvPr/>
+      </p:nvGrpSpPr>
+      <p:grpSpPr>
+        <a:xfrm>
+          <a:off x="0" y="0"/>
+          <a:ext cx="0" cy="0"/>
+          <a:chOff x="0" y="0"/>
+          <a:chExt cx="0" cy="0"/>
+        </a:xfrm>
+      </p:grpSpPr>
+      <p:sp>
+        <p:nvSpPr>
+          <p:cNvPr id="2" name="슬라이드 이미지 개체 틀 1">
+            <a:extLst>
+              <a:ext uri="{FF2B5EF4-FFF2-40B4-BE49-F238E27FC236}">
+                <a16:creationId xmlns:a16="http://schemas.microsoft.com/office/drawing/2014/main" id="{2259F4FF-7217-1DCA-48C5-1FA38CD5D1C1}"/>
+              </a:ext>
+            </a:extLst>
+          </p:cNvPr>
+          <p:cNvSpPr>
+            <a:spLocks noGrp="1" noRot="1" noChangeAspect="1"/>
+          </p:cNvSpPr>
+          <p:nvPr>
+            <p:ph type="sldImg"/>
+          </p:nvPr>
+        </p:nvSpPr>
+        <p:spPr/>
+      </p:sp>
+      <p:sp>
+        <p:nvSpPr>
+          <p:cNvPr id="3" name="슬라이드 노트 개체 틀 2">
+            <a:extLst>
+              <a:ext uri="{FF2B5EF4-FFF2-40B4-BE49-F238E27FC236}">
+                <a16:creationId xmlns:a16="http://schemas.microsoft.com/office/drawing/2014/main" id="{E74FEC01-5FF1-05ED-5EC3-C476C54B4C0B}"/>
+              </a:ext>
+            </a:extLst>
+          </p:cNvPr>
+          <p:cNvSpPr>
+            <a:spLocks noGrp="1"/>
+          </p:cNvSpPr>
+          <p:nvPr>
+            <p:ph type="body" idx="1"/>
+          </p:nvPr>
+        </p:nvSpPr>
+        <p:spPr/>
+        <p:txBody>
+          <a:bodyPr/>
+          <a:lstStyle/>
+          <a:p>
+            <a:endParaRPr lang="ko-KR" altLang="en-US" baseline="0" dirty="0"/>
+          </a:p>
+        </p:txBody>
+      </p:sp>
+      <p:sp>
+        <p:nvSpPr>
+          <p:cNvPr id="4" name="슬라이드 번호 개체 틀 3">
+            <a:extLst>
+              <a:ext uri="{FF2B5EF4-FFF2-40B4-BE49-F238E27FC236}">
+                <a16:creationId xmlns:a16="http://schemas.microsoft.com/office/drawing/2014/main" id="{A60EA68C-A2E7-E85A-8743-E0DD48002270}"/>
+              </a:ext>
+            </a:extLst>
+          </p:cNvPr>
+          <p:cNvSpPr>
+            <a:spLocks noGrp="1"/>
+          </p:cNvSpPr>
+          <p:nvPr>
+            <p:ph type="sldNum" sz="quarter" idx="10"/>
+          </p:nvPr>
+        </p:nvSpPr>
+        <p:spPr/>
+        <p:txBody>
+          <a:bodyPr/>
+          <a:lstStyle/>
+          <a:p>
+            <a:fld id="{70C2690E-5898-41F6-8DC7-4B43F1397684}" type="slidenum">
+              <a:rPr lang="en-US" smtClean="0"/>
+              <a:pPr/>
+              <a:t>5</a:t>
+            </a:fld>
+            <a:endParaRPr lang="en-US"/>
+          </a:p>
+        </p:txBody>
+      </p:sp>
+    </p:spTree>
+    <p:extLst>
+      <p:ext uri="{BB962C8B-B14F-4D97-AF65-F5344CB8AC3E}">
+        <p14:creationId xmlns:p14="http://schemas.microsoft.com/office/powerpoint/2010/main" val="1335482615"/>
+      </p:ext>
+    </p:extLst>
+  </p:cSld>
+  <p:clrMapOvr>
+    <a:masterClrMapping/>
+  </p:clrMapOvr>
+</p:notes>
+</file>
+
+<file path=ppt/notesSlides/notesSlide5.xml><?xml version="1.0" encoding="utf-8"?>
+<p:notes xmlns:a="http://schemas.openxmlformats.org/drawingml/2006/main" xmlns:r="http://schemas.openxmlformats.org/officeDocument/2006/relationships" xmlns:p="http://schemas.openxmlformats.org/presentationml/2006/main">
+  <p:cSld>
+    <p:spTree>
+      <p:nvGrpSpPr>
+        <p:cNvPr id="1" name="">
+          <a:extLst>
+            <a:ext uri="{FF2B5EF4-FFF2-40B4-BE49-F238E27FC236}">
               <a16:creationId xmlns:a16="http://schemas.microsoft.com/office/drawing/2014/main" id="{D48A906A-890D-D629-6160-F7B921AE78AE}"/>
             </a:ext>
           </a:extLst>
@@ -962,7 +1182,7 @@
             <a:fld id="{70C2690E-5898-41F6-8DC7-4B43F1397684}" type="slidenum">
               <a:rPr lang="en-US" smtClean="0"/>
               <a:pPr/>
-              <a:t>4</a:t>
+              <a:t>6</a:t>
             </a:fld>
             <a:endParaRPr lang="en-US"/>
           </a:p>
@@ -981,7 +1201,7 @@
 </p:notes>
 </file>
 
-<file path=ppt/notesSlides/notesSlide4.xml><?xml version="1.0" encoding="utf-8"?>
+<file path=ppt/notesSlides/notesSlide6.xml><?xml version="1.0" encoding="utf-8"?>
 <p:notes xmlns:a="http://schemas.openxmlformats.org/drawingml/2006/main" xmlns:r="http://schemas.openxmlformats.org/officeDocument/2006/relationships" xmlns:p="http://schemas.openxmlformats.org/presentationml/2006/main">
   <p:cSld>
     <p:spTree>
@@ -1071,7 +1291,7 @@
             <a:fld id="{70C2690E-5898-41F6-8DC7-4B43F1397684}" type="slidenum">
               <a:rPr lang="en-US" smtClean="0"/>
               <a:pPr/>
-              <a:t>5</a:t>
+              <a:t>7</a:t>
             </a:fld>
             <a:endParaRPr lang="en-US"/>
           </a:p>
@@ -1090,7 +1310,7 @@
 </p:notes>
 </file>
 
-<file path=ppt/notesSlides/notesSlide5.xml><?xml version="1.0" encoding="utf-8"?>
+<file path=ppt/notesSlides/notesSlide7.xml><?xml version="1.0" encoding="utf-8"?>
 <p:notes xmlns:a="http://schemas.openxmlformats.org/drawingml/2006/main" xmlns:r="http://schemas.openxmlformats.org/officeDocument/2006/relationships" xmlns:p="http://schemas.openxmlformats.org/presentationml/2006/main">
   <p:cSld>
     <p:spTree>
@@ -1180,7 +1400,7 @@
             <a:fld id="{70C2690E-5898-41F6-8DC7-4B43F1397684}" type="slidenum">
               <a:rPr lang="en-US" smtClean="0"/>
               <a:pPr/>
-              <a:t>6</a:t>
+              <a:t>8</a:t>
             </a:fld>
             <a:endParaRPr lang="en-US"/>
           </a:p>
@@ -1199,7 +1419,7 @@
 </p:notes>
 </file>
 
-<file path=ppt/notesSlides/notesSlide6.xml><?xml version="1.0" encoding="utf-8"?>
+<file path=ppt/notesSlides/notesSlide8.xml><?xml version="1.0" encoding="utf-8"?>
 <p:notes xmlns:a="http://schemas.openxmlformats.org/drawingml/2006/main" xmlns:r="http://schemas.openxmlformats.org/officeDocument/2006/relationships" xmlns:p="http://schemas.openxmlformats.org/presentationml/2006/main">
   <p:cSld>
     <p:spTree>
@@ -1289,7 +1509,7 @@
             <a:fld id="{70C2690E-5898-41F6-8DC7-4B43F1397684}" type="slidenum">
               <a:rPr lang="en-US" smtClean="0"/>
               <a:pPr/>
-              <a:t>7</a:t>
+              <a:t>9</a:t>
             </a:fld>
             <a:endParaRPr lang="en-US"/>
           </a:p>
@@ -1308,7 +1528,7 @@
 </p:notes>
 </file>
 
-<file path=ppt/notesSlides/notesSlide7.xml><?xml version="1.0" encoding="utf-8"?>
+<file path=ppt/notesSlides/notesSlide9.xml><?xml version="1.0" encoding="utf-8"?>
 <p:notes xmlns:a="http://schemas.openxmlformats.org/drawingml/2006/main" xmlns:r="http://schemas.openxmlformats.org/officeDocument/2006/relationships" xmlns:p="http://schemas.openxmlformats.org/presentationml/2006/main">
   <p:cSld>
     <p:spTree>
@@ -1398,7 +1618,7 @@
             <a:fld id="{70C2690E-5898-41F6-8DC7-4B43F1397684}" type="slidenum">
               <a:rPr lang="en-US" smtClean="0"/>
               <a:pPr/>
-              <a:t>8</a:t>
+              <a:t>10</a:t>
             </a:fld>
             <a:endParaRPr lang="en-US"/>
           </a:p>
@@ -1642,7 +1862,7 @@
           <a:p>
             <a:fld id="{CAD0A499-E82F-432C-A282-98CBCA352184}" type="datetime1">
               <a:rPr lang="en-US" smtClean="0"/>
-              <a:t>5/30/2025</a:t>
+              <a:t>5/31/2025</a:t>
             </a:fld>
             <a:endParaRPr lang="en-US"/>
           </a:p>
@@ -1789,7 +2009,7 @@
           <a:p>
             <a:fld id="{11BA99D6-6198-4466-8077-DD24DBC71B08}" type="datetime1">
               <a:rPr lang="en-US" smtClean="0"/>
-              <a:t>5/30/2025</a:t>
+              <a:t>5/31/2025</a:t>
             </a:fld>
             <a:endParaRPr lang="en-US"/>
           </a:p>
@@ -1977,7 +2197,7 @@
           <a:p>
             <a:fld id="{7825BBE1-7BE0-4589-9CBA-1BBBBA6D4FC5}" type="datetime1">
               <a:rPr lang="en-US" smtClean="0"/>
-              <a:t>5/30/2025</a:t>
+              <a:t>5/31/2025</a:t>
             </a:fld>
             <a:endParaRPr lang="en-US"/>
           </a:p>
@@ -2224,7 +2444,7 @@
           <a:p>
             <a:fld id="{1EBE19AE-E50A-4C71-B0A7-D3D5A3F289D4}" type="datetime1">
               <a:rPr lang="en-US" smtClean="0"/>
-              <a:t>5/30/2025</a:t>
+              <a:t>5/31/2025</a:t>
             </a:fld>
             <a:endParaRPr lang="en-US"/>
           </a:p>
@@ -2485,7 +2705,7 @@
           <a:p>
             <a:fld id="{A9F424D0-DDD4-4253-A68A-80B800A96D93}" type="datetime1">
               <a:rPr lang="en-US" smtClean="0"/>
-              <a:t>5/30/2025</a:t>
+              <a:t>5/31/2025</a:t>
             </a:fld>
             <a:endParaRPr lang="en-US"/>
           </a:p>
@@ -2915,7 +3135,7 @@
           <a:p>
             <a:fld id="{A2C1BA76-5856-4760-B30F-D50736C86751}" type="datetime1">
               <a:rPr lang="en-US" smtClean="0"/>
-              <a:t>5/30/2025</a:t>
+              <a:t>5/31/2025</a:t>
             </a:fld>
             <a:endParaRPr lang="en-US"/>
           </a:p>
@@ -3211,7 +3431,7 @@
           <a:p>
             <a:fld id="{D2C20EF8-8EAA-40D3-8659-F3500327C0E6}" type="datetime1">
               <a:rPr lang="en-US" smtClean="0"/>
-              <a:t>5/30/2025</a:t>
+              <a:t>5/31/2025</a:t>
             </a:fld>
             <a:endParaRPr lang="en-US"/>
           </a:p>
@@ -3337,7 +3557,7 @@
           <a:p>
             <a:fld id="{4E862A3A-3184-483B-BEE4-12473B63CCC6}" type="datetime1">
               <a:rPr lang="en-US" smtClean="0"/>
-              <a:t>5/30/2025</a:t>
+              <a:t>5/31/2025</a:t>
             </a:fld>
             <a:endParaRPr lang="en-US"/>
           </a:p>
@@ -3440,7 +3660,7 @@
           <a:p>
             <a:fld id="{D464E160-FB7A-48B4-B803-D05AD1E883B8}" type="datetime1">
               <a:rPr lang="en-US" smtClean="0"/>
-              <a:t>5/30/2025</a:t>
+              <a:t>5/31/2025</a:t>
             </a:fld>
             <a:endParaRPr lang="en-US"/>
           </a:p>
@@ -3725,7 +3945,7 @@
           <a:p>
             <a:fld id="{ECBAF7EA-671B-407C-A753-BE2DF803884E}" type="datetime1">
               <a:rPr lang="en-US" smtClean="0"/>
-              <a:t>5/30/2025</a:t>
+              <a:t>5/31/2025</a:t>
             </a:fld>
             <a:endParaRPr lang="en-US"/>
           </a:p>
@@ -3990,7 +4210,7 @@
           <a:p>
             <a:fld id="{B4C1A06E-8EA5-45F2-BC2C-633B1144EFF2}" type="datetime1">
               <a:rPr lang="en-US" smtClean="0"/>
-              <a:t>5/30/2025</a:t>
+              <a:t>5/31/2025</a:t>
             </a:fld>
             <a:endParaRPr lang="en-US"/>
           </a:p>
@@ -4220,7 +4440,7 @@
           <a:p>
             <a:fld id="{39A3DA1F-5E97-483F-8171-30DA8456C92F}" type="datetime1">
               <a:rPr lang="en-US" smtClean="0"/>
-              <a:t>5/30/2025</a:t>
+              <a:t>5/31/2025</a:t>
             </a:fld>
             <a:endParaRPr lang="en-US" dirty="0"/>
           </a:p>
@@ -4676,6 +4896,738 @@
 </p:sld>
 </file>
 
+<file path=ppt/slides/slide10.xml><?xml version="1.0" encoding="utf-8"?>
+<p:sld xmlns:a="http://schemas.openxmlformats.org/drawingml/2006/main" xmlns:r="http://schemas.openxmlformats.org/officeDocument/2006/relationships" xmlns:p="http://schemas.openxmlformats.org/presentationml/2006/main">
+  <p:cSld>
+    <p:spTree>
+      <p:nvGrpSpPr>
+        <p:cNvPr id="1" name="">
+          <a:extLst>
+            <a:ext uri="{FF2B5EF4-FFF2-40B4-BE49-F238E27FC236}">
+              <a16:creationId xmlns:a16="http://schemas.microsoft.com/office/drawing/2014/main" id="{AD90C49C-1BB2-4C79-900A-18F029904099}"/>
+            </a:ext>
+          </a:extLst>
+        </p:cNvPr>
+        <p:cNvGrpSpPr/>
+        <p:nvPr/>
+      </p:nvGrpSpPr>
+      <p:grpSpPr>
+        <a:xfrm>
+          <a:off x="0" y="0"/>
+          <a:ext cx="0" cy="0"/>
+          <a:chOff x="0" y="0"/>
+          <a:chExt cx="0" cy="0"/>
+        </a:xfrm>
+      </p:grpSpPr>
+      <p:sp>
+        <p:nvSpPr>
+          <p:cNvPr id="2" name="TextBox 1">
+            <a:extLst>
+              <a:ext uri="{FF2B5EF4-FFF2-40B4-BE49-F238E27FC236}">
+                <a16:creationId xmlns:a16="http://schemas.microsoft.com/office/drawing/2014/main" id="{EE8E295A-0122-3AB8-8D28-4BC95B40FD76}"/>
+              </a:ext>
+            </a:extLst>
+          </p:cNvPr>
+          <p:cNvSpPr txBox="1"/>
+          <p:nvPr/>
+        </p:nvSpPr>
+        <p:spPr>
+          <a:xfrm>
+            <a:off x="106073" y="188640"/>
+            <a:ext cx="6552728" cy="523220"/>
+          </a:xfrm>
+          <a:prstGeom prst="rect">
+            <a:avLst/>
+          </a:prstGeom>
+          <a:noFill/>
+        </p:spPr>
+        <p:txBody>
+          <a:bodyPr wrap="square" rtlCol="0">
+            <a:spAutoFit/>
+          </a:bodyPr>
+          <a:lstStyle/>
+          <a:p>
+            <a:r>
+              <a:rPr lang="en-US" altLang="ko-KR" sz="2800" b="1" dirty="0">
+                <a:solidFill>
+                  <a:srgbClr val="413787"/>
+                </a:solidFill>
+              </a:rPr>
+              <a:t>Simulation/verify of predicates</a:t>
+            </a:r>
+          </a:p>
+        </p:txBody>
+      </p:sp>
+      <p:sp>
+        <p:nvSpPr>
+          <p:cNvPr id="3" name="TextBox 2">
+            <a:extLst>
+              <a:ext uri="{FF2B5EF4-FFF2-40B4-BE49-F238E27FC236}">
+                <a16:creationId xmlns:a16="http://schemas.microsoft.com/office/drawing/2014/main" id="{0F6006D5-ACE2-1A28-5374-FF5AAFC6DC37}"/>
+              </a:ext>
+            </a:extLst>
+          </p:cNvPr>
+          <p:cNvSpPr txBox="1"/>
+          <p:nvPr/>
+        </p:nvSpPr>
+        <p:spPr>
+          <a:xfrm>
+            <a:off x="488504" y="980728"/>
+            <a:ext cx="2664296" cy="400110"/>
+          </a:xfrm>
+          <a:prstGeom prst="rect">
+            <a:avLst/>
+          </a:prstGeom>
+          <a:noFill/>
+        </p:spPr>
+        <p:txBody>
+          <a:bodyPr wrap="square" rtlCol="0">
+            <a:spAutoFit/>
+          </a:bodyPr>
+          <a:lstStyle/>
+          <a:p>
+            <a:r>
+              <a:rPr lang="en-US" altLang="ko-KR" sz="2000" b="1" dirty="0">
+                <a:solidFill>
+                  <a:srgbClr val="413787"/>
+                </a:solidFill>
+              </a:rPr>
+              <a:t>Slip</a:t>
+            </a:r>
+          </a:p>
+        </p:txBody>
+      </p:sp>
+      <p:pic>
+        <p:nvPicPr>
+          <p:cNvPr id="6" name="slip">
+            <a:hlinkClick r:id="" action="ppaction://media"/>
+            <a:extLst>
+              <a:ext uri="{FF2B5EF4-FFF2-40B4-BE49-F238E27FC236}">
+                <a16:creationId xmlns:a16="http://schemas.microsoft.com/office/drawing/2014/main" id="{329A9B73-A7FC-FC0D-BAA4-7D7208292624}"/>
+              </a:ext>
+            </a:extLst>
+          </p:cNvPr>
+          <p:cNvPicPr>
+            <a:picLocks noChangeAspect="1"/>
+          </p:cNvPicPr>
+          <p:nvPr>
+            <a:videoFile r:link="rId2"/>
+            <p:extLst>
+              <p:ext uri="{DAA4B4D4-6D71-4841-9C94-3DE7FCFB9230}">
+                <p14:media xmlns:p14="http://schemas.microsoft.com/office/powerpoint/2010/main" r:embed="rId1"/>
+              </p:ext>
+            </p:extLst>
+          </p:nvPr>
+        </p:nvPicPr>
+        <p:blipFill>
+          <a:blip r:embed="rId5"/>
+          <a:stretch>
+            <a:fillRect/>
+          </a:stretch>
+        </p:blipFill>
+        <p:spPr>
+          <a:xfrm>
+            <a:off x="477262" y="2204864"/>
+            <a:ext cx="4115699" cy="2909478"/>
+          </a:xfrm>
+          <a:prstGeom prst="rect">
+            <a:avLst/>
+          </a:prstGeom>
+        </p:spPr>
+      </p:pic>
+      <p:pic>
+        <p:nvPicPr>
+          <p:cNvPr id="8" name="그림 7">
+            <a:extLst>
+              <a:ext uri="{FF2B5EF4-FFF2-40B4-BE49-F238E27FC236}">
+                <a16:creationId xmlns:a16="http://schemas.microsoft.com/office/drawing/2014/main" id="{717DF448-CB91-E02E-95B5-D3787E8AC066}"/>
+              </a:ext>
+            </a:extLst>
+          </p:cNvPr>
+          <p:cNvPicPr>
+            <a:picLocks noChangeAspect="1"/>
+          </p:cNvPicPr>
+          <p:nvPr/>
+        </p:nvPicPr>
+        <p:blipFill>
+          <a:blip r:embed="rId6"/>
+          <a:stretch>
+            <a:fillRect/>
+          </a:stretch>
+        </p:blipFill>
+        <p:spPr>
+          <a:xfrm>
+            <a:off x="5097016" y="1148755"/>
+            <a:ext cx="3240360" cy="2291397"/>
+          </a:xfrm>
+          <a:prstGeom prst="rect">
+            <a:avLst/>
+          </a:prstGeom>
+        </p:spPr>
+      </p:pic>
+      <p:pic>
+        <p:nvPicPr>
+          <p:cNvPr id="10" name="그림 9">
+            <a:extLst>
+              <a:ext uri="{FF2B5EF4-FFF2-40B4-BE49-F238E27FC236}">
+                <a16:creationId xmlns:a16="http://schemas.microsoft.com/office/drawing/2014/main" id="{0CC7EC6F-7570-660B-1659-A0C22CC1ABFD}"/>
+              </a:ext>
+            </a:extLst>
+          </p:cNvPr>
+          <p:cNvPicPr>
+            <a:picLocks noChangeAspect="1"/>
+          </p:cNvPicPr>
+          <p:nvPr/>
+        </p:nvPicPr>
+        <p:blipFill>
+          <a:blip r:embed="rId7"/>
+          <a:stretch>
+            <a:fillRect/>
+          </a:stretch>
+        </p:blipFill>
+        <p:spPr>
+          <a:xfrm>
+            <a:off x="5097016" y="3887649"/>
+            <a:ext cx="3240360" cy="2291397"/>
+          </a:xfrm>
+          <a:prstGeom prst="rect">
+            <a:avLst/>
+          </a:prstGeom>
+        </p:spPr>
+      </p:pic>
+      <mc:AlternateContent xmlns:mc="http://schemas.openxmlformats.org/markup-compatibility/2006" xmlns:a14="http://schemas.microsoft.com/office/drawing/2010/main">
+        <mc:Choice Requires="a14">
+          <p:sp>
+            <p:nvSpPr>
+              <p:cNvPr id="9" name="TextBox 8">
+                <a:extLst>
+                  <a:ext uri="{FF2B5EF4-FFF2-40B4-BE49-F238E27FC236}">
+                    <a16:creationId xmlns:a16="http://schemas.microsoft.com/office/drawing/2014/main" id="{D00ADF15-65E5-7456-633B-0ABBFD7CBEBB}"/>
+                  </a:ext>
+                </a:extLst>
+              </p:cNvPr>
+              <p:cNvSpPr txBox="1"/>
+              <p:nvPr/>
+            </p:nvSpPr>
+            <p:spPr>
+              <a:xfrm>
+                <a:off x="2576736" y="5445224"/>
+                <a:ext cx="1520801" cy="230832"/>
+              </a:xfrm>
+              <a:prstGeom prst="rect">
+                <a:avLst/>
+              </a:prstGeom>
+              <a:noFill/>
+            </p:spPr>
+            <p:txBody>
+              <a:bodyPr wrap="none" lIns="0" tIns="0" rIns="0" bIns="0" rtlCol="0">
+                <a:spAutoFit/>
+              </a:bodyPr>
+              <a:lstStyle/>
+              <a:p>
+                <a:pPr/>
+                <a14:m>
+                  <m:oMathPara xmlns:m="http://schemas.openxmlformats.org/officeDocument/2006/math">
+                    <m:oMathParaPr>
+                      <m:jc m:val="centerGroup"/>
+                    </m:oMathParaPr>
+                    <m:oMath xmlns:m="http://schemas.openxmlformats.org/officeDocument/2006/math">
+                      <m:r>
+                        <a:rPr lang="en-US" altLang="ko-KR" b="0" i="1" smtClean="0">
+                          <a:latin typeface="Cambria Math" panose="02040503050406030204" pitchFamily="18" charset="0"/>
+                        </a:rPr>
+                        <m:t>𝑡𝑜𝑢𝑐h</m:t>
+                      </m:r>
+                      <m:r>
+                        <a:rPr lang="en-US" altLang="ko-KR" b="0" i="1" smtClean="0">
+                          <a:latin typeface="Cambria Math" panose="02040503050406030204" pitchFamily="18" charset="0"/>
+                        </a:rPr>
+                        <m:t> </m:t>
+                      </m:r>
+                      <m:r>
+                        <a:rPr lang="en-US" altLang="ko-KR" b="0" i="1" smtClean="0">
+                          <a:latin typeface="Cambria Math" panose="02040503050406030204" pitchFamily="18" charset="0"/>
+                        </a:rPr>
+                        <m:t>𝑓𝑙𝑎𝑔</m:t>
+                      </m:r>
+                      <m:r>
+                        <a:rPr lang="en-US" altLang="ko-KR" b="0" i="1" smtClean="0">
+                          <a:latin typeface="Cambria Math" panose="02040503050406030204" pitchFamily="18" charset="0"/>
+                        </a:rPr>
+                        <m:t>==1</m:t>
+                      </m:r>
+                    </m:oMath>
+                  </m:oMathPara>
+                </a14:m>
+                <a:endParaRPr lang="ko-KR" altLang="en-US" dirty="0"/>
+              </a:p>
+            </p:txBody>
+          </p:sp>
+        </mc:Choice>
+        <mc:Fallback xmlns="">
+          <p:sp>
+            <p:nvSpPr>
+              <p:cNvPr id="9" name="TextBox 8">
+                <a:extLst>
+                  <a:ext uri="{FF2B5EF4-FFF2-40B4-BE49-F238E27FC236}">
+                    <a16:creationId xmlns:a16="http://schemas.microsoft.com/office/drawing/2014/main" id="{D00ADF15-65E5-7456-633B-0ABBFD7CBEBB}"/>
+                  </a:ext>
+                </a:extLst>
+              </p:cNvPr>
+              <p:cNvSpPr txBox="1">
+                <a:spLocks noRot="1" noChangeAspect="1" noMove="1" noResize="1" noEditPoints="1" noAdjustHandles="1" noChangeArrowheads="1" noChangeShapeType="1" noTextEdit="1"/>
+              </p:cNvSpPr>
+              <p:nvPr/>
+            </p:nvSpPr>
+            <p:spPr>
+              <a:xfrm>
+                <a:off x="2576736" y="5445224"/>
+                <a:ext cx="1520801" cy="230832"/>
+              </a:xfrm>
+              <a:prstGeom prst="rect">
+                <a:avLst/>
+              </a:prstGeom>
+              <a:blipFill>
+                <a:blip r:embed="rId8"/>
+                <a:stretch>
+                  <a:fillRect l="-1205" t="-2632" r="-803" b="-34211"/>
+                </a:stretch>
+              </a:blipFill>
+            </p:spPr>
+            <p:txBody>
+              <a:bodyPr/>
+              <a:lstStyle/>
+              <a:p>
+                <a:r>
+                  <a:rPr lang="ko-KR" altLang="en-US">
+                    <a:noFill/>
+                  </a:rPr>
+                  <a:t> </a:t>
+                </a:r>
+              </a:p>
+            </p:txBody>
+          </p:sp>
+        </mc:Fallback>
+      </mc:AlternateContent>
+      <mc:AlternateContent xmlns:mc="http://schemas.openxmlformats.org/markup-compatibility/2006" xmlns:a14="http://schemas.microsoft.com/office/drawing/2010/main">
+        <mc:Choice Requires="a14">
+          <p:sp>
+            <p:nvSpPr>
+              <p:cNvPr id="11" name="TextBox 10">
+                <a:extLst>
+                  <a:ext uri="{FF2B5EF4-FFF2-40B4-BE49-F238E27FC236}">
+                    <a16:creationId xmlns:a16="http://schemas.microsoft.com/office/drawing/2014/main" id="{64465AE4-7CB3-EAE6-9898-B185916D7C18}"/>
+                  </a:ext>
+                </a:extLst>
+              </p:cNvPr>
+              <p:cNvSpPr txBox="1"/>
+              <p:nvPr/>
+            </p:nvSpPr>
+            <p:spPr>
+              <a:xfrm>
+                <a:off x="2576736" y="5810792"/>
+                <a:ext cx="2103525" cy="230832"/>
+              </a:xfrm>
+              <a:prstGeom prst="rect">
+                <a:avLst/>
+              </a:prstGeom>
+              <a:noFill/>
+            </p:spPr>
+            <p:txBody>
+              <a:bodyPr wrap="none" lIns="0" tIns="0" rIns="0" bIns="0" rtlCol="0">
+                <a:spAutoFit/>
+              </a:bodyPr>
+              <a:lstStyle/>
+              <a:p>
+                <a:pPr/>
+                <a14:m>
+                  <m:oMathPara xmlns:m="http://schemas.openxmlformats.org/officeDocument/2006/math">
+                    <m:oMathParaPr>
+                      <m:jc m:val="centerGroup"/>
+                    </m:oMathParaPr>
+                    <m:oMath xmlns:m="http://schemas.openxmlformats.org/officeDocument/2006/math">
+                      <m:sSub>
+                        <m:sSubPr>
+                          <m:ctrlPr>
+                            <a:rPr lang="en-US" altLang="ko-KR" b="0" i="1" smtClean="0">
+                              <a:latin typeface="Cambria Math" panose="02040503050406030204" pitchFamily="18" charset="0"/>
+                            </a:rPr>
+                          </m:ctrlPr>
+                        </m:sSubPr>
+                        <m:e>
+                          <m:r>
+                            <a:rPr lang="en-US" altLang="ko-KR" b="0" i="1" smtClean="0">
+                              <a:latin typeface="Cambria Math" panose="02040503050406030204" pitchFamily="18" charset="0"/>
+                            </a:rPr>
+                            <m:t>𝐼</m:t>
+                          </m:r>
+                        </m:e>
+                        <m:sub>
+                          <m:r>
+                            <a:rPr lang="en-US" altLang="ko-KR" b="0" i="1" smtClean="0">
+                              <a:latin typeface="Cambria Math" panose="02040503050406030204" pitchFamily="18" charset="0"/>
+                            </a:rPr>
+                            <m:t>𝑎𝑏𝑠</m:t>
+                          </m:r>
+                        </m:sub>
+                      </m:sSub>
+                      <m:r>
+                        <a:rPr lang="en-US" altLang="ko-KR" b="0" i="1" smtClean="0">
+                          <a:latin typeface="Cambria Math" panose="02040503050406030204" pitchFamily="18" charset="0"/>
+                        </a:rPr>
+                        <m:t>&gt;</m:t>
+                      </m:r>
+                      <m:r>
+                        <a:rPr lang="en-US" altLang="ko-KR" b="0" i="1" smtClean="0">
+                          <a:latin typeface="Cambria Math" panose="02040503050406030204" pitchFamily="18" charset="0"/>
+                        </a:rPr>
+                        <m:t>𝑠𝑙𝑖𝑝𝑖𝑛𝑔</m:t>
+                      </m:r>
+                      <m:r>
+                        <a:rPr lang="en-US" altLang="ko-KR" b="0" i="1" smtClean="0">
+                          <a:latin typeface="Cambria Math" panose="02040503050406030204" pitchFamily="18" charset="0"/>
+                        </a:rPr>
+                        <m:t> </m:t>
+                      </m:r>
+                      <m:r>
+                        <a:rPr lang="en-US" altLang="ko-KR" b="0" i="1" smtClean="0">
+                          <a:latin typeface="Cambria Math" panose="02040503050406030204" pitchFamily="18" charset="0"/>
+                        </a:rPr>
+                        <m:t>𝑡h𝑟𝑒𝑠h𝑜𝑙𝑑</m:t>
+                      </m:r>
+                    </m:oMath>
+                  </m:oMathPara>
+                </a14:m>
+                <a:endParaRPr lang="ko-KR" altLang="en-US" dirty="0"/>
+              </a:p>
+            </p:txBody>
+          </p:sp>
+        </mc:Choice>
+        <mc:Fallback xmlns="">
+          <p:sp>
+            <p:nvSpPr>
+              <p:cNvPr id="11" name="TextBox 10">
+                <a:extLst>
+                  <a:ext uri="{FF2B5EF4-FFF2-40B4-BE49-F238E27FC236}">
+                    <a16:creationId xmlns:a16="http://schemas.microsoft.com/office/drawing/2014/main" id="{64465AE4-7CB3-EAE6-9898-B185916D7C18}"/>
+                  </a:ext>
+                </a:extLst>
+              </p:cNvPr>
+              <p:cNvSpPr txBox="1">
+                <a:spLocks noRot="1" noChangeAspect="1" noMove="1" noResize="1" noEditPoints="1" noAdjustHandles="1" noChangeArrowheads="1" noChangeShapeType="1" noTextEdit="1"/>
+              </p:cNvSpPr>
+              <p:nvPr/>
+            </p:nvSpPr>
+            <p:spPr>
+              <a:xfrm>
+                <a:off x="2576736" y="5810792"/>
+                <a:ext cx="2103525" cy="230832"/>
+              </a:xfrm>
+              <a:prstGeom prst="rect">
+                <a:avLst/>
+              </a:prstGeom>
+              <a:blipFill>
+                <a:blip r:embed="rId9"/>
+                <a:stretch>
+                  <a:fillRect l="-1739" t="-2632" r="-1159" b="-34211"/>
+                </a:stretch>
+              </a:blipFill>
+            </p:spPr>
+            <p:txBody>
+              <a:bodyPr/>
+              <a:lstStyle/>
+              <a:p>
+                <a:r>
+                  <a:rPr lang="ko-KR" altLang="en-US">
+                    <a:noFill/>
+                  </a:rPr>
+                  <a:t> </a:t>
+                </a:r>
+              </a:p>
+            </p:txBody>
+          </p:sp>
+        </mc:Fallback>
+      </mc:AlternateContent>
+      <mc:AlternateContent xmlns:mc="http://schemas.openxmlformats.org/markup-compatibility/2006" xmlns:a14="http://schemas.microsoft.com/office/drawing/2010/main">
+        <mc:Choice Requires="a14">
+          <p:sp>
+            <p:nvSpPr>
+              <p:cNvPr id="12" name="TextBox 11">
+                <a:extLst>
+                  <a:ext uri="{FF2B5EF4-FFF2-40B4-BE49-F238E27FC236}">
+                    <a16:creationId xmlns:a16="http://schemas.microsoft.com/office/drawing/2014/main" id="{7B5B2C87-59F8-7208-BE02-FEAA82A23B47}"/>
+                  </a:ext>
+                </a:extLst>
+              </p:cNvPr>
+              <p:cNvSpPr txBox="1"/>
+              <p:nvPr/>
+            </p:nvSpPr>
+            <p:spPr>
+              <a:xfrm>
+                <a:off x="2576736" y="6180112"/>
+                <a:ext cx="2151551" cy="230832"/>
+              </a:xfrm>
+              <a:prstGeom prst="rect">
+                <a:avLst/>
+              </a:prstGeom>
+              <a:noFill/>
+            </p:spPr>
+            <p:txBody>
+              <a:bodyPr wrap="none" lIns="0" tIns="0" rIns="0" bIns="0" rtlCol="0">
+                <a:spAutoFit/>
+              </a:bodyPr>
+              <a:lstStyle/>
+              <a:p>
+                <a:pPr/>
+                <a14:m>
+                  <m:oMathPara xmlns:m="http://schemas.openxmlformats.org/officeDocument/2006/math">
+                    <m:oMathParaPr>
+                      <m:jc m:val="centerGroup"/>
+                    </m:oMathParaPr>
+                    <m:oMath xmlns:m="http://schemas.openxmlformats.org/officeDocument/2006/math">
+                      <m:r>
+                        <a:rPr lang="en-US" altLang="ko-KR" b="0" i="1" smtClean="0">
+                          <a:latin typeface="Cambria Math" panose="02040503050406030204" pitchFamily="18" charset="0"/>
+                        </a:rPr>
+                        <m:t>𝑑𝐼</m:t>
+                      </m:r>
+                      <m:r>
+                        <a:rPr lang="en-US" altLang="ko-KR" b="0" i="1" smtClean="0">
+                          <a:latin typeface="Cambria Math" panose="02040503050406030204" pitchFamily="18" charset="0"/>
+                        </a:rPr>
+                        <m:t>&gt;</m:t>
+                      </m:r>
+                      <m:r>
+                        <a:rPr lang="en-US" altLang="ko-KR" b="0" i="1" smtClean="0">
+                          <a:latin typeface="Cambria Math" panose="02040503050406030204" pitchFamily="18" charset="0"/>
+                        </a:rPr>
+                        <m:t>𝑠𝑙𝑖𝑝</m:t>
+                      </m:r>
+                      <m:r>
+                        <a:rPr lang="en-US" altLang="ko-KR" b="0" i="1" smtClean="0">
+                          <a:latin typeface="Cambria Math" panose="02040503050406030204" pitchFamily="18" charset="0"/>
+                        </a:rPr>
+                        <m:t> </m:t>
+                      </m:r>
+                      <m:r>
+                        <a:rPr lang="en-US" altLang="ko-KR" b="0" i="1" smtClean="0">
+                          <a:latin typeface="Cambria Math" panose="02040503050406030204" pitchFamily="18" charset="0"/>
+                        </a:rPr>
+                        <m:t>𝑑𝑟𝑜𝑝</m:t>
+                      </m:r>
+                      <m:r>
+                        <a:rPr lang="en-US" altLang="ko-KR" b="0" i="1" smtClean="0">
+                          <a:latin typeface="Cambria Math" panose="02040503050406030204" pitchFamily="18" charset="0"/>
+                        </a:rPr>
+                        <m:t> </m:t>
+                      </m:r>
+                      <m:r>
+                        <a:rPr lang="en-US" altLang="ko-KR" b="0" i="1" smtClean="0">
+                          <a:latin typeface="Cambria Math" panose="02040503050406030204" pitchFamily="18" charset="0"/>
+                        </a:rPr>
+                        <m:t>𝑡h𝑟𝑒𝑠h𝑜𝑙𝑑</m:t>
+                      </m:r>
+                    </m:oMath>
+                  </m:oMathPara>
+                </a14:m>
+                <a:endParaRPr lang="ko-KR" altLang="en-US" dirty="0"/>
+              </a:p>
+            </p:txBody>
+          </p:sp>
+        </mc:Choice>
+        <mc:Fallback xmlns="">
+          <p:sp>
+            <p:nvSpPr>
+              <p:cNvPr id="12" name="TextBox 11">
+                <a:extLst>
+                  <a:ext uri="{FF2B5EF4-FFF2-40B4-BE49-F238E27FC236}">
+                    <a16:creationId xmlns:a16="http://schemas.microsoft.com/office/drawing/2014/main" id="{7B5B2C87-59F8-7208-BE02-FEAA82A23B47}"/>
+                  </a:ext>
+                </a:extLst>
+              </p:cNvPr>
+              <p:cNvSpPr txBox="1">
+                <a:spLocks noRot="1" noChangeAspect="1" noMove="1" noResize="1" noEditPoints="1" noAdjustHandles="1" noChangeArrowheads="1" noChangeShapeType="1" noTextEdit="1"/>
+              </p:cNvSpPr>
+              <p:nvPr/>
+            </p:nvSpPr>
+            <p:spPr>
+              <a:xfrm>
+                <a:off x="2576736" y="6180112"/>
+                <a:ext cx="2151551" cy="230832"/>
+              </a:xfrm>
+              <a:prstGeom prst="rect">
+                <a:avLst/>
+              </a:prstGeom>
+              <a:blipFill>
+                <a:blip r:embed="rId10"/>
+                <a:stretch>
+                  <a:fillRect l="-1983" t="-2632" r="-1133" b="-34211"/>
+                </a:stretch>
+              </a:blipFill>
+            </p:spPr>
+            <p:txBody>
+              <a:bodyPr/>
+              <a:lstStyle/>
+              <a:p>
+                <a:r>
+                  <a:rPr lang="ko-KR" altLang="en-US">
+                    <a:noFill/>
+                  </a:rPr>
+                  <a:t> </a:t>
+                </a:r>
+              </a:p>
+            </p:txBody>
+          </p:sp>
+        </mc:Fallback>
+      </mc:AlternateContent>
+    </p:spTree>
+    <p:extLst>
+      <p:ext uri="{BB962C8B-B14F-4D97-AF65-F5344CB8AC3E}">
+        <p14:creationId xmlns:p14="http://schemas.microsoft.com/office/powerpoint/2010/main" val="947932058"/>
+      </p:ext>
+    </p:extLst>
+  </p:cSld>
+  <p:clrMapOvr>
+    <a:masterClrMapping/>
+  </p:clrMapOvr>
+  <p:timing>
+    <p:tnLst>
+      <p:par>
+        <p:cTn id="1" dur="indefinite" restart="never" nodeType="tmRoot">
+          <p:childTnLst>
+            <p:seq concurrent="1" nextAc="seek">
+              <p:cTn id="2" dur="indefinite" nodeType="mainSeq">
+                <p:childTnLst>
+                  <p:par>
+                    <p:cTn id="3" fill="hold">
+                      <p:stCondLst>
+                        <p:cond delay="indefinite"/>
+                      </p:stCondLst>
+                      <p:childTnLst>
+                        <p:par>
+                          <p:cTn id="4" fill="hold">
+                            <p:stCondLst>
+                              <p:cond delay="0"/>
+                            </p:stCondLst>
+                            <p:childTnLst>
+                              <p:par>
+                                <p:cTn id="5" presetID="1" presetClass="mediacall" presetSubtype="0" fill="hold" nodeType="clickEffect">
+                                  <p:stCondLst>
+                                    <p:cond delay="0"/>
+                                  </p:stCondLst>
+                                  <p:childTnLst>
+                                    <p:cmd type="call" cmd="playFrom(0.0)">
+                                      <p:cBhvr>
+                                        <p:cTn id="6" dur="9041" fill="hold"/>
+                                        <p:tgtEl>
+                                          <p:spTgt spid="6"/>
+                                        </p:tgtEl>
+                                      </p:cBhvr>
+                                    </p:cmd>
+                                  </p:childTnLst>
+                                </p:cTn>
+                              </p:par>
+                            </p:childTnLst>
+                          </p:cTn>
+                        </p:par>
+                      </p:childTnLst>
+                    </p:cTn>
+                  </p:par>
+                </p:childTnLst>
+              </p:cTn>
+              <p:prevCondLst>
+                <p:cond evt="onPrev" delay="0">
+                  <p:tgtEl>
+                    <p:sldTgt/>
+                  </p:tgtEl>
+                </p:cond>
+              </p:prevCondLst>
+              <p:nextCondLst>
+                <p:cond evt="onNext" delay="0">
+                  <p:tgtEl>
+                    <p:sldTgt/>
+                  </p:tgtEl>
+                </p:cond>
+              </p:nextCondLst>
+            </p:seq>
+            <p:video>
+              <p:cMediaNode vol="80000">
+                <p:cTn id="7" fill="hold" display="0">
+                  <p:stCondLst>
+                    <p:cond delay="indefinite"/>
+                  </p:stCondLst>
+                </p:cTn>
+                <p:tgtEl>
+                  <p:spTgt spid="6"/>
+                </p:tgtEl>
+              </p:cMediaNode>
+            </p:video>
+            <p:seq concurrent="1" nextAc="seek">
+              <p:cTn id="8" restart="whenNotActive" fill="hold" evtFilter="cancelBubble" nodeType="interactiveSeq">
+                <p:stCondLst>
+                  <p:cond evt="onClick" delay="0">
+                    <p:tgtEl>
+                      <p:spTgt spid="6"/>
+                    </p:tgtEl>
+                  </p:cond>
+                </p:stCondLst>
+                <p:endSync evt="end" delay="0">
+                  <p:rtn val="all"/>
+                </p:endSync>
+                <p:childTnLst>
+                  <p:par>
+                    <p:cTn id="9" fill="hold">
+                      <p:stCondLst>
+                        <p:cond delay="0"/>
+                      </p:stCondLst>
+                      <p:childTnLst>
+                        <p:par>
+                          <p:cTn id="10" fill="hold">
+                            <p:stCondLst>
+                              <p:cond delay="0"/>
+                            </p:stCondLst>
+                            <p:childTnLst>
+                              <p:par>
+                                <p:cTn id="11" presetID="2" presetClass="mediacall" presetSubtype="0" fill="hold" nodeType="clickEffect">
+                                  <p:stCondLst>
+                                    <p:cond delay="0"/>
+                                  </p:stCondLst>
+                                  <p:childTnLst>
+                                    <p:cmd type="call" cmd="togglePause">
+                                      <p:cBhvr>
+                                        <p:cTn id="12" dur="1" fill="hold"/>
+                                        <p:tgtEl>
+                                          <p:spTgt spid="6"/>
+                                        </p:tgtEl>
+                                      </p:cBhvr>
+                                    </p:cmd>
+                                  </p:childTnLst>
+                                </p:cTn>
+                              </p:par>
+                            </p:childTnLst>
+                          </p:cTn>
+                        </p:par>
+                      </p:childTnLst>
+                    </p:cTn>
+                  </p:par>
+                </p:childTnLst>
+              </p:cTn>
+              <p:nextCondLst>
+                <p:cond evt="onClick" delay="0">
+                  <p:tgtEl>
+                    <p:spTgt spid="6"/>
+                  </p:tgtEl>
+                </p:cond>
+              </p:nextCondLst>
+            </p:seq>
+          </p:childTnLst>
+        </p:cTn>
+      </p:par>
+    </p:tnLst>
+  </p:timing>
+</p:sld>
+</file>
+
 <file path=ppt/slides/slide2.xml><?xml version="1.0" encoding="utf-8"?>
 <p:sld xmlns:a="http://schemas.openxmlformats.org/drawingml/2006/main" xmlns:r="http://schemas.openxmlformats.org/officeDocument/2006/relationships" xmlns:p="http://schemas.openxmlformats.org/presentationml/2006/main">
   <p:cSld>
@@ -4977,12 +5929,13 @@
         </p:nvSpPr>
         <p:spPr>
           <a:xfrm>
-            <a:off x="1208584" y="2276872"/>
+            <a:off x="1273154" y="3077594"/>
             <a:ext cx="1728192" cy="1080120"/>
           </a:xfrm>
           <a:prstGeom prst="ellipse">
             <a:avLst/>
           </a:prstGeom>
+          <a:noFill/>
         </p:spPr>
         <p:style>
           <a:lnRef idx="2">
@@ -5005,6 +5958,611 @@
           <a:lstStyle/>
           <a:p>
             <a:pPr algn="ctr"/>
+            <a:r>
+              <a:rPr lang="en-US" altLang="ko-KR" dirty="0">
+                <a:solidFill>
+                  <a:schemeClr val="tx1"/>
+                </a:solidFill>
+              </a:rPr>
+              <a:t>Pre-grasping</a:t>
+            </a:r>
+            <a:endParaRPr lang="ko-KR" altLang="en-US" dirty="0">
+              <a:solidFill>
+                <a:schemeClr val="tx1"/>
+              </a:solidFill>
+            </a:endParaRPr>
+          </a:p>
+        </p:txBody>
+      </p:sp>
+      <p:sp>
+        <p:nvSpPr>
+          <p:cNvPr id="3" name="TextBox 2">
+            <a:extLst>
+              <a:ext uri="{FF2B5EF4-FFF2-40B4-BE49-F238E27FC236}">
+                <a16:creationId xmlns:a16="http://schemas.microsoft.com/office/drawing/2014/main" id="{F5B171EC-9254-8FA6-2618-90D49E54BA64}"/>
+              </a:ext>
+            </a:extLst>
+          </p:cNvPr>
+          <p:cNvSpPr txBox="1"/>
+          <p:nvPr/>
+        </p:nvSpPr>
+        <p:spPr>
+          <a:xfrm>
+            <a:off x="488504" y="836712"/>
+            <a:ext cx="5256584" cy="323165"/>
+          </a:xfrm>
+          <a:prstGeom prst="rect">
+            <a:avLst/>
+          </a:prstGeom>
+          <a:noFill/>
+        </p:spPr>
+        <p:txBody>
+          <a:bodyPr wrap="square" rtlCol="0">
+            <a:spAutoFit/>
+          </a:bodyPr>
+          <a:lstStyle/>
+          <a:p>
+            <a:r>
+              <a:rPr lang="ko-KR" altLang="en-US" dirty="0"/>
+              <a:t>먼저 전체 </a:t>
+            </a:r>
+            <a:r>
+              <a:rPr lang="ko-KR" altLang="en-US" dirty="0" err="1"/>
+              <a:t>최상단</a:t>
+            </a:r>
+            <a:r>
+              <a:rPr lang="ko-KR" altLang="en-US" dirty="0"/>
+              <a:t> </a:t>
+            </a:r>
+            <a:r>
+              <a:rPr lang="en-US" altLang="ko-KR" dirty="0"/>
+              <a:t>FSM </a:t>
+            </a:r>
+            <a:r>
+              <a:rPr lang="ko-KR" altLang="en-US" dirty="0"/>
+              <a:t>동작부터 </a:t>
+            </a:r>
+            <a:r>
+              <a:rPr lang="ko-KR" altLang="en-US" dirty="0" err="1"/>
+              <a:t>설명합니당</a:t>
+            </a:r>
+            <a:endParaRPr lang="en-US" altLang="ko-KR" dirty="0"/>
+          </a:p>
+        </p:txBody>
+      </p:sp>
+      <p:sp>
+        <p:nvSpPr>
+          <p:cNvPr id="4" name="타원 3">
+            <a:extLst>
+              <a:ext uri="{FF2B5EF4-FFF2-40B4-BE49-F238E27FC236}">
+                <a16:creationId xmlns:a16="http://schemas.microsoft.com/office/drawing/2014/main" id="{57393684-AF01-8259-9F2C-AE8DBAC3B8D7}"/>
+              </a:ext>
+            </a:extLst>
+          </p:cNvPr>
+          <p:cNvSpPr/>
+          <p:nvPr/>
+        </p:nvSpPr>
+        <p:spPr>
+          <a:xfrm>
+            <a:off x="3721426" y="3068960"/>
+            <a:ext cx="1728192" cy="1080120"/>
+          </a:xfrm>
+          <a:prstGeom prst="ellipse">
+            <a:avLst/>
+          </a:prstGeom>
+          <a:noFill/>
+        </p:spPr>
+        <p:style>
+          <a:lnRef idx="2">
+            <a:schemeClr val="accent1">
+              <a:shade val="15000"/>
+            </a:schemeClr>
+          </a:lnRef>
+          <a:fillRef idx="1">
+            <a:schemeClr val="accent1"/>
+          </a:fillRef>
+          <a:effectRef idx="0">
+            <a:schemeClr val="accent1"/>
+          </a:effectRef>
+          <a:fontRef idx="minor">
+            <a:schemeClr val="lt1"/>
+          </a:fontRef>
+        </p:style>
+        <p:txBody>
+          <a:bodyPr rtlCol="0" anchor="ctr"/>
+          <a:lstStyle/>
+          <a:p>
+            <a:pPr algn="ctr"/>
+            <a:r>
+              <a:rPr lang="en-US" altLang="ko-KR" dirty="0">
+                <a:solidFill>
+                  <a:schemeClr val="tx1"/>
+                </a:solidFill>
+              </a:rPr>
+              <a:t>grasping</a:t>
+            </a:r>
+            <a:endParaRPr lang="ko-KR" altLang="en-US" dirty="0">
+              <a:solidFill>
+                <a:schemeClr val="tx1"/>
+              </a:solidFill>
+            </a:endParaRPr>
+          </a:p>
+        </p:txBody>
+      </p:sp>
+      <p:sp>
+        <p:nvSpPr>
+          <p:cNvPr id="6" name="타원 5">
+            <a:extLst>
+              <a:ext uri="{FF2B5EF4-FFF2-40B4-BE49-F238E27FC236}">
+                <a16:creationId xmlns:a16="http://schemas.microsoft.com/office/drawing/2014/main" id="{5B90E2F4-617E-4EEB-864B-85DAFE5E634C}"/>
+              </a:ext>
+            </a:extLst>
+          </p:cNvPr>
+          <p:cNvSpPr/>
+          <p:nvPr/>
+        </p:nvSpPr>
+        <p:spPr>
+          <a:xfrm>
+            <a:off x="6321152" y="3068960"/>
+            <a:ext cx="1728192" cy="1080120"/>
+          </a:xfrm>
+          <a:prstGeom prst="ellipse">
+            <a:avLst/>
+          </a:prstGeom>
+          <a:noFill/>
+        </p:spPr>
+        <p:style>
+          <a:lnRef idx="2">
+            <a:schemeClr val="accent1">
+              <a:shade val="15000"/>
+            </a:schemeClr>
+          </a:lnRef>
+          <a:fillRef idx="1">
+            <a:schemeClr val="accent1"/>
+          </a:fillRef>
+          <a:effectRef idx="0">
+            <a:schemeClr val="accent1"/>
+          </a:effectRef>
+          <a:fontRef idx="minor">
+            <a:schemeClr val="lt1"/>
+          </a:fontRef>
+        </p:style>
+        <p:txBody>
+          <a:bodyPr rtlCol="0" anchor="ctr"/>
+          <a:lstStyle/>
+          <a:p>
+            <a:pPr algn="ctr"/>
+            <a:r>
+              <a:rPr lang="en-US" altLang="ko-KR" dirty="0">
+                <a:solidFill>
+                  <a:schemeClr val="tx1"/>
+                </a:solidFill>
+              </a:rPr>
+              <a:t>Re-grasping</a:t>
+            </a:r>
+            <a:endParaRPr lang="ko-KR" altLang="en-US" dirty="0">
+              <a:solidFill>
+                <a:schemeClr val="tx1"/>
+              </a:solidFill>
+            </a:endParaRPr>
+          </a:p>
+        </p:txBody>
+      </p:sp>
+      <p:sp>
+        <p:nvSpPr>
+          <p:cNvPr id="7" name="화살표: 오른쪽 6">
+            <a:extLst>
+              <a:ext uri="{FF2B5EF4-FFF2-40B4-BE49-F238E27FC236}">
+                <a16:creationId xmlns:a16="http://schemas.microsoft.com/office/drawing/2014/main" id="{92E40090-7E97-D631-0E39-8D43848B00C6}"/>
+              </a:ext>
+            </a:extLst>
+          </p:cNvPr>
+          <p:cNvSpPr/>
+          <p:nvPr/>
+        </p:nvSpPr>
+        <p:spPr>
+          <a:xfrm>
+            <a:off x="3113077" y="3545646"/>
+            <a:ext cx="496618" cy="144016"/>
+          </a:xfrm>
+          <a:prstGeom prst="rightArrow">
+            <a:avLst/>
+          </a:prstGeom>
+        </p:spPr>
+        <p:style>
+          <a:lnRef idx="2">
+            <a:schemeClr val="accent1">
+              <a:shade val="15000"/>
+            </a:schemeClr>
+          </a:lnRef>
+          <a:fillRef idx="1">
+            <a:schemeClr val="accent1"/>
+          </a:fillRef>
+          <a:effectRef idx="0">
+            <a:schemeClr val="accent1"/>
+          </a:effectRef>
+          <a:fontRef idx="minor">
+            <a:schemeClr val="lt1"/>
+          </a:fontRef>
+        </p:style>
+        <p:txBody>
+          <a:bodyPr rtlCol="0" anchor="ctr"/>
+          <a:lstStyle/>
+          <a:p>
+            <a:pPr algn="ctr"/>
+            <a:endParaRPr lang="ko-KR" altLang="en-US"/>
+          </a:p>
+        </p:txBody>
+      </p:sp>
+      <p:sp>
+        <p:nvSpPr>
+          <p:cNvPr id="10" name="화살표: 오른쪽 9">
+            <a:extLst>
+              <a:ext uri="{FF2B5EF4-FFF2-40B4-BE49-F238E27FC236}">
+                <a16:creationId xmlns:a16="http://schemas.microsoft.com/office/drawing/2014/main" id="{30ECBBB1-4C5C-5EF9-3D75-4A6E855989E0}"/>
+              </a:ext>
+            </a:extLst>
+          </p:cNvPr>
+          <p:cNvSpPr/>
+          <p:nvPr/>
+        </p:nvSpPr>
+        <p:spPr>
+          <a:xfrm rot="14055408">
+            <a:off x="6421455" y="2690275"/>
+            <a:ext cx="496618" cy="144016"/>
+          </a:xfrm>
+          <a:prstGeom prst="rightArrow">
+            <a:avLst/>
+          </a:prstGeom>
+        </p:spPr>
+        <p:style>
+          <a:lnRef idx="2">
+            <a:schemeClr val="accent1">
+              <a:shade val="15000"/>
+            </a:schemeClr>
+          </a:lnRef>
+          <a:fillRef idx="1">
+            <a:schemeClr val="accent1"/>
+          </a:fillRef>
+          <a:effectRef idx="0">
+            <a:schemeClr val="accent1"/>
+          </a:effectRef>
+          <a:fontRef idx="minor">
+            <a:schemeClr val="lt1"/>
+          </a:fontRef>
+        </p:style>
+        <p:txBody>
+          <a:bodyPr rtlCol="0" anchor="ctr"/>
+          <a:lstStyle/>
+          <a:p>
+            <a:pPr algn="ctr"/>
+            <a:endParaRPr lang="ko-KR" altLang="en-US"/>
+          </a:p>
+        </p:txBody>
+      </p:sp>
+      <p:sp>
+        <p:nvSpPr>
+          <p:cNvPr id="11" name="TextBox 10">
+            <a:extLst>
+              <a:ext uri="{FF2B5EF4-FFF2-40B4-BE49-F238E27FC236}">
+                <a16:creationId xmlns:a16="http://schemas.microsoft.com/office/drawing/2014/main" id="{7EA21C06-6103-5EB0-F1A0-B4909BE9B334}"/>
+              </a:ext>
+            </a:extLst>
+          </p:cNvPr>
+          <p:cNvSpPr txBox="1"/>
+          <p:nvPr/>
+        </p:nvSpPr>
+        <p:spPr>
+          <a:xfrm>
+            <a:off x="1208584" y="4212155"/>
+            <a:ext cx="2232248" cy="523220"/>
+          </a:xfrm>
+          <a:prstGeom prst="rect">
+            <a:avLst/>
+          </a:prstGeom>
+          <a:noFill/>
+        </p:spPr>
+        <p:txBody>
+          <a:bodyPr wrap="square" rtlCol="0">
+            <a:spAutoFit/>
+          </a:bodyPr>
+          <a:lstStyle/>
+          <a:p>
+            <a:r>
+              <a:rPr lang="en-US" altLang="ko-KR" sz="1400" dirty="0"/>
+              <a:t>45</a:t>
+            </a:r>
+            <a:r>
+              <a:rPr lang="ko-KR" altLang="en-US" sz="1400" dirty="0"/>
+              <a:t>도 각도에서 </a:t>
+            </a:r>
+            <a:r>
+              <a:rPr lang="en-US" altLang="ko-KR" sz="1400" dirty="0"/>
+              <a:t>20</a:t>
+            </a:r>
+            <a:r>
+              <a:rPr lang="ko-KR" altLang="en-US" sz="1400" dirty="0"/>
+              <a:t>초 까지 대기</a:t>
+            </a:r>
+          </a:p>
+        </p:txBody>
+      </p:sp>
+      <p:sp>
+        <p:nvSpPr>
+          <p:cNvPr id="12" name="TextBox 11">
+            <a:extLst>
+              <a:ext uri="{FF2B5EF4-FFF2-40B4-BE49-F238E27FC236}">
+                <a16:creationId xmlns:a16="http://schemas.microsoft.com/office/drawing/2014/main" id="{1C3D9FB0-0F2E-9703-0E46-6C20E4EBC01A}"/>
+              </a:ext>
+            </a:extLst>
+          </p:cNvPr>
+          <p:cNvSpPr txBox="1"/>
+          <p:nvPr/>
+        </p:nvSpPr>
+        <p:spPr>
+          <a:xfrm>
+            <a:off x="3721426" y="4212155"/>
+            <a:ext cx="2232248" cy="523220"/>
+          </a:xfrm>
+          <a:prstGeom prst="rect">
+            <a:avLst/>
+          </a:prstGeom>
+          <a:noFill/>
+        </p:spPr>
+        <p:txBody>
+          <a:bodyPr wrap="square" rtlCol="0">
+            <a:spAutoFit/>
+          </a:bodyPr>
+          <a:lstStyle/>
+          <a:p>
+            <a:r>
+              <a:rPr lang="en-US" altLang="ko-KR" sz="1400" dirty="0"/>
+              <a:t>20</a:t>
+            </a:r>
+            <a:r>
+              <a:rPr lang="ko-KR" altLang="en-US" sz="1400" dirty="0"/>
+              <a:t>초부터 명령 속도로 팔을 계속 안으로 접음</a:t>
+            </a:r>
+          </a:p>
+        </p:txBody>
+      </p:sp>
+      <p:sp>
+        <p:nvSpPr>
+          <p:cNvPr id="14" name="TextBox 13">
+            <a:extLst>
+              <a:ext uri="{FF2B5EF4-FFF2-40B4-BE49-F238E27FC236}">
+                <a16:creationId xmlns:a16="http://schemas.microsoft.com/office/drawing/2014/main" id="{B7500BB0-1937-78F3-23AE-45151D06364D}"/>
+              </a:ext>
+            </a:extLst>
+          </p:cNvPr>
+          <p:cNvSpPr txBox="1"/>
+          <p:nvPr/>
+        </p:nvSpPr>
+        <p:spPr>
+          <a:xfrm>
+            <a:off x="6234268" y="4212155"/>
+            <a:ext cx="2752824" cy="523220"/>
+          </a:xfrm>
+          <a:prstGeom prst="rect">
+            <a:avLst/>
+          </a:prstGeom>
+          <a:noFill/>
+        </p:spPr>
+        <p:txBody>
+          <a:bodyPr wrap="square" rtlCol="0">
+            <a:spAutoFit/>
+          </a:bodyPr>
+          <a:lstStyle/>
+          <a:p>
+            <a:r>
+              <a:rPr lang="ko-KR" altLang="en-US" sz="1400" dirty="0"/>
+              <a:t>잡기가 실패하면 실패한 이유에 따라 </a:t>
+            </a:r>
+            <a:r>
+              <a:rPr lang="ko-KR" altLang="en-US" sz="1400" dirty="0" err="1"/>
+              <a:t>재파지를</a:t>
+            </a:r>
+            <a:r>
+              <a:rPr lang="ko-KR" altLang="en-US" sz="1400" dirty="0"/>
+              <a:t> 시도</a:t>
+            </a:r>
+          </a:p>
+        </p:txBody>
+      </p:sp>
+      <p:sp>
+        <p:nvSpPr>
+          <p:cNvPr id="15" name="TextBox 14">
+            <a:extLst>
+              <a:ext uri="{FF2B5EF4-FFF2-40B4-BE49-F238E27FC236}">
+                <a16:creationId xmlns:a16="http://schemas.microsoft.com/office/drawing/2014/main" id="{5553D9C1-FD5A-C738-3693-CBEBD2B72C9E}"/>
+              </a:ext>
+            </a:extLst>
+          </p:cNvPr>
+          <p:cNvSpPr txBox="1"/>
+          <p:nvPr/>
+        </p:nvSpPr>
+        <p:spPr>
+          <a:xfrm>
+            <a:off x="3721426" y="4798450"/>
+            <a:ext cx="2232248" cy="523220"/>
+          </a:xfrm>
+          <a:prstGeom prst="rect">
+            <a:avLst/>
+          </a:prstGeom>
+          <a:noFill/>
+        </p:spPr>
+        <p:txBody>
+          <a:bodyPr wrap="square" rtlCol="0">
+            <a:spAutoFit/>
+          </a:bodyPr>
+          <a:lstStyle/>
+          <a:p>
+            <a:r>
+              <a:rPr lang="en-US" altLang="ko-KR" sz="1400" dirty="0"/>
+              <a:t>Touch, slip, empty</a:t>
+            </a:r>
+            <a:r>
+              <a:rPr lang="ko-KR" altLang="en-US" sz="1400" dirty="0"/>
+              <a:t>에</a:t>
+            </a:r>
+            <a:r>
+              <a:rPr lang="en-US" altLang="ko-KR" sz="1400" dirty="0"/>
+              <a:t> </a:t>
+            </a:r>
+            <a:r>
+              <a:rPr lang="ko-KR" altLang="en-US" sz="1400" dirty="0"/>
+              <a:t>대한 판단 실행</a:t>
+            </a:r>
+          </a:p>
+        </p:txBody>
+      </p:sp>
+      <p:sp>
+        <p:nvSpPr>
+          <p:cNvPr id="16" name="타원 15">
+            <a:extLst>
+              <a:ext uri="{FF2B5EF4-FFF2-40B4-BE49-F238E27FC236}">
+                <a16:creationId xmlns:a16="http://schemas.microsoft.com/office/drawing/2014/main" id="{A270FC04-DD88-D148-5B4F-300455F7B6B6}"/>
+              </a:ext>
+            </a:extLst>
+          </p:cNvPr>
+          <p:cNvSpPr/>
+          <p:nvPr/>
+        </p:nvSpPr>
+        <p:spPr>
+          <a:xfrm>
+            <a:off x="4849653" y="1565725"/>
+            <a:ext cx="1728192" cy="1080120"/>
+          </a:xfrm>
+          <a:prstGeom prst="ellipse">
+            <a:avLst/>
+          </a:prstGeom>
+          <a:noFill/>
+        </p:spPr>
+        <p:style>
+          <a:lnRef idx="2">
+            <a:schemeClr val="accent1">
+              <a:shade val="15000"/>
+            </a:schemeClr>
+          </a:lnRef>
+          <a:fillRef idx="1">
+            <a:schemeClr val="accent1"/>
+          </a:fillRef>
+          <a:effectRef idx="0">
+            <a:schemeClr val="accent1"/>
+          </a:effectRef>
+          <a:fontRef idx="minor">
+            <a:schemeClr val="lt1"/>
+          </a:fontRef>
+        </p:style>
+        <p:txBody>
+          <a:bodyPr rtlCol="0" anchor="ctr"/>
+          <a:lstStyle/>
+          <a:p>
+            <a:pPr algn="ctr"/>
+            <a:r>
+              <a:rPr lang="en-US" altLang="ko-KR" dirty="0">
+                <a:solidFill>
+                  <a:schemeClr val="tx1"/>
+                </a:solidFill>
+              </a:rPr>
+              <a:t>Grasping complete</a:t>
+            </a:r>
+            <a:endParaRPr lang="ko-KR" altLang="en-US" dirty="0">
+              <a:solidFill>
+                <a:schemeClr val="tx1"/>
+              </a:solidFill>
+            </a:endParaRPr>
+          </a:p>
+        </p:txBody>
+      </p:sp>
+      <p:sp>
+        <p:nvSpPr>
+          <p:cNvPr id="17" name="화살표: 오른쪽 16">
+            <a:extLst>
+              <a:ext uri="{FF2B5EF4-FFF2-40B4-BE49-F238E27FC236}">
+                <a16:creationId xmlns:a16="http://schemas.microsoft.com/office/drawing/2014/main" id="{55A0B5FB-104B-3D8D-8447-7DFDDEB5F7F4}"/>
+              </a:ext>
+            </a:extLst>
+          </p:cNvPr>
+          <p:cNvSpPr/>
+          <p:nvPr/>
+        </p:nvSpPr>
+        <p:spPr>
+          <a:xfrm rot="19174393">
+            <a:off x="4586780" y="2653404"/>
+            <a:ext cx="534485" cy="184708"/>
+          </a:xfrm>
+          <a:prstGeom prst="rightArrow">
+            <a:avLst/>
+          </a:prstGeom>
+        </p:spPr>
+        <p:style>
+          <a:lnRef idx="2">
+            <a:schemeClr val="accent1">
+              <a:shade val="15000"/>
+            </a:schemeClr>
+          </a:lnRef>
+          <a:fillRef idx="1">
+            <a:schemeClr val="accent1"/>
+          </a:fillRef>
+          <a:effectRef idx="0">
+            <a:schemeClr val="accent1"/>
+          </a:effectRef>
+          <a:fontRef idx="minor">
+            <a:schemeClr val="lt1"/>
+          </a:fontRef>
+        </p:style>
+        <p:txBody>
+          <a:bodyPr rtlCol="0" anchor="ctr"/>
+          <a:lstStyle/>
+          <a:p>
+            <a:pPr algn="ctr"/>
+            <a:endParaRPr lang="ko-KR" altLang="en-US"/>
+          </a:p>
+        </p:txBody>
+      </p:sp>
+      <p:sp>
+        <p:nvSpPr>
+          <p:cNvPr id="18" name="화살표: 오른쪽 17">
+            <a:extLst>
+              <a:ext uri="{FF2B5EF4-FFF2-40B4-BE49-F238E27FC236}">
+                <a16:creationId xmlns:a16="http://schemas.microsoft.com/office/drawing/2014/main" id="{B445B6EE-9A19-3A20-01DB-B81B75025CAE}"/>
+              </a:ext>
+            </a:extLst>
+          </p:cNvPr>
+          <p:cNvSpPr/>
+          <p:nvPr/>
+        </p:nvSpPr>
+        <p:spPr>
+          <a:xfrm>
+            <a:off x="5713749" y="3698046"/>
+            <a:ext cx="496618" cy="144016"/>
+          </a:xfrm>
+          <a:prstGeom prst="rightArrow">
+            <a:avLst/>
+          </a:prstGeom>
+        </p:spPr>
+        <p:style>
+          <a:lnRef idx="2">
+            <a:schemeClr val="accent1">
+              <a:shade val="15000"/>
+            </a:schemeClr>
+          </a:lnRef>
+          <a:fillRef idx="1">
+            <a:schemeClr val="accent1"/>
+          </a:fillRef>
+          <a:effectRef idx="0">
+            <a:schemeClr val="accent1"/>
+          </a:effectRef>
+          <a:fontRef idx="minor">
+            <a:schemeClr val="lt1"/>
+          </a:fontRef>
+        </p:style>
+        <p:txBody>
+          <a:bodyPr rtlCol="0" anchor="ctr"/>
+          <a:lstStyle/>
+          <a:p>
+            <a:pPr algn="ctr"/>
             <a:endParaRPr lang="ko-KR" altLang="en-US"/>
           </a:p>
         </p:txBody>
@@ -5023,6 +6581,1586 @@
 </file>
 
 <file path=ppt/slides/slide4.xml><?xml version="1.0" encoding="utf-8"?>
+<p:sld xmlns:a="http://schemas.openxmlformats.org/drawingml/2006/main" xmlns:r="http://schemas.openxmlformats.org/officeDocument/2006/relationships" xmlns:p="http://schemas.openxmlformats.org/presentationml/2006/main">
+  <p:cSld>
+    <p:spTree>
+      <p:nvGrpSpPr>
+        <p:cNvPr id="1" name="">
+          <a:extLst>
+            <a:ext uri="{FF2B5EF4-FFF2-40B4-BE49-F238E27FC236}">
+              <a16:creationId xmlns:a16="http://schemas.microsoft.com/office/drawing/2014/main" id="{EC6D2E6B-4C18-00E3-7A13-7BFF586D22F0}"/>
+            </a:ext>
+          </a:extLst>
+        </p:cNvPr>
+        <p:cNvGrpSpPr/>
+        <p:nvPr/>
+      </p:nvGrpSpPr>
+      <p:grpSpPr>
+        <a:xfrm>
+          <a:off x="0" y="0"/>
+          <a:ext cx="0" cy="0"/>
+          <a:chOff x="0" y="0"/>
+          <a:chExt cx="0" cy="0"/>
+        </a:xfrm>
+      </p:grpSpPr>
+      <p:sp>
+        <p:nvSpPr>
+          <p:cNvPr id="2" name="TextBox 1">
+            <a:extLst>
+              <a:ext uri="{FF2B5EF4-FFF2-40B4-BE49-F238E27FC236}">
+                <a16:creationId xmlns:a16="http://schemas.microsoft.com/office/drawing/2014/main" id="{A18E72CE-ADFB-197E-0AEE-5ED8288342CD}"/>
+              </a:ext>
+            </a:extLst>
+          </p:cNvPr>
+          <p:cNvSpPr txBox="1"/>
+          <p:nvPr/>
+        </p:nvSpPr>
+        <p:spPr>
+          <a:xfrm>
+            <a:off x="337050" y="187009"/>
+            <a:ext cx="6552728" cy="523220"/>
+          </a:xfrm>
+          <a:prstGeom prst="rect">
+            <a:avLst/>
+          </a:prstGeom>
+          <a:noFill/>
+        </p:spPr>
+        <p:txBody>
+          <a:bodyPr wrap="square" rtlCol="0">
+            <a:spAutoFit/>
+          </a:bodyPr>
+          <a:lstStyle/>
+          <a:p>
+            <a:r>
+              <a:rPr lang="en-US" altLang="ko-KR" sz="2800" b="1" dirty="0">
+                <a:solidFill>
+                  <a:srgbClr val="413787"/>
+                </a:solidFill>
+              </a:rPr>
+              <a:t>FSM</a:t>
+            </a:r>
+            <a:r>
+              <a:rPr lang="ko-KR" altLang="en-US" sz="2800" b="1" dirty="0">
+                <a:solidFill>
+                  <a:srgbClr val="413787"/>
+                </a:solidFill>
+              </a:rPr>
+              <a:t> </a:t>
+            </a:r>
+            <a:r>
+              <a:rPr lang="en-US" altLang="ko-KR" sz="2800" b="1" dirty="0">
+                <a:solidFill>
+                  <a:srgbClr val="413787"/>
+                </a:solidFill>
+              </a:rPr>
+              <a:t>State definition</a:t>
+            </a:r>
+          </a:p>
+        </p:txBody>
+      </p:sp>
+      <p:sp>
+        <p:nvSpPr>
+          <p:cNvPr id="5" name="타원 4">
+            <a:extLst>
+              <a:ext uri="{FF2B5EF4-FFF2-40B4-BE49-F238E27FC236}">
+                <a16:creationId xmlns:a16="http://schemas.microsoft.com/office/drawing/2014/main" id="{B829CB37-B13E-F38D-3A4A-6599086F9925}"/>
+              </a:ext>
+            </a:extLst>
+          </p:cNvPr>
+          <p:cNvSpPr/>
+          <p:nvPr/>
+        </p:nvSpPr>
+        <p:spPr>
+          <a:xfrm>
+            <a:off x="1273154" y="3077594"/>
+            <a:ext cx="1728192" cy="1080120"/>
+          </a:xfrm>
+          <a:prstGeom prst="ellipse">
+            <a:avLst/>
+          </a:prstGeom>
+          <a:noFill/>
+        </p:spPr>
+        <p:style>
+          <a:lnRef idx="2">
+            <a:schemeClr val="accent1">
+              <a:shade val="15000"/>
+            </a:schemeClr>
+          </a:lnRef>
+          <a:fillRef idx="1">
+            <a:schemeClr val="accent1"/>
+          </a:fillRef>
+          <a:effectRef idx="0">
+            <a:schemeClr val="accent1"/>
+          </a:effectRef>
+          <a:fontRef idx="minor">
+            <a:schemeClr val="lt1"/>
+          </a:fontRef>
+        </p:style>
+        <p:txBody>
+          <a:bodyPr rtlCol="0" anchor="ctr"/>
+          <a:lstStyle/>
+          <a:p>
+            <a:pPr algn="ctr"/>
+            <a:r>
+              <a:rPr lang="en-US" altLang="ko-KR" dirty="0">
+                <a:solidFill>
+                  <a:schemeClr val="tx1"/>
+                </a:solidFill>
+              </a:rPr>
+              <a:t>Pre-grasping</a:t>
+            </a:r>
+            <a:endParaRPr lang="ko-KR" altLang="en-US" dirty="0">
+              <a:solidFill>
+                <a:schemeClr val="tx1"/>
+              </a:solidFill>
+            </a:endParaRPr>
+          </a:p>
+        </p:txBody>
+      </p:sp>
+      <p:sp>
+        <p:nvSpPr>
+          <p:cNvPr id="3" name="TextBox 2">
+            <a:extLst>
+              <a:ext uri="{FF2B5EF4-FFF2-40B4-BE49-F238E27FC236}">
+                <a16:creationId xmlns:a16="http://schemas.microsoft.com/office/drawing/2014/main" id="{8B490A52-80BB-CDBE-EAF0-CBDA89A7BB60}"/>
+              </a:ext>
+            </a:extLst>
+          </p:cNvPr>
+          <p:cNvSpPr txBox="1"/>
+          <p:nvPr/>
+        </p:nvSpPr>
+        <p:spPr>
+          <a:xfrm>
+            <a:off x="488504" y="836712"/>
+            <a:ext cx="5256584" cy="323165"/>
+          </a:xfrm>
+          <a:prstGeom prst="rect">
+            <a:avLst/>
+          </a:prstGeom>
+          <a:noFill/>
+        </p:spPr>
+        <p:txBody>
+          <a:bodyPr wrap="square" rtlCol="0">
+            <a:spAutoFit/>
+          </a:bodyPr>
+          <a:lstStyle/>
+          <a:p>
+            <a:r>
+              <a:rPr lang="ko-KR" altLang="en-US" dirty="0"/>
+              <a:t>먼저 전체 </a:t>
+            </a:r>
+            <a:r>
+              <a:rPr lang="ko-KR" altLang="en-US" dirty="0" err="1"/>
+              <a:t>최상단</a:t>
+            </a:r>
+            <a:r>
+              <a:rPr lang="ko-KR" altLang="en-US" dirty="0"/>
+              <a:t> </a:t>
+            </a:r>
+            <a:r>
+              <a:rPr lang="en-US" altLang="ko-KR" dirty="0"/>
+              <a:t>FSM </a:t>
+            </a:r>
+            <a:r>
+              <a:rPr lang="ko-KR" altLang="en-US" dirty="0"/>
+              <a:t>동작부터 </a:t>
+            </a:r>
+            <a:r>
+              <a:rPr lang="ko-KR" altLang="en-US" dirty="0" err="1"/>
+              <a:t>설명합니당</a:t>
+            </a:r>
+            <a:endParaRPr lang="en-US" altLang="ko-KR" dirty="0"/>
+          </a:p>
+        </p:txBody>
+      </p:sp>
+      <p:sp>
+        <p:nvSpPr>
+          <p:cNvPr id="4" name="타원 3">
+            <a:extLst>
+              <a:ext uri="{FF2B5EF4-FFF2-40B4-BE49-F238E27FC236}">
+                <a16:creationId xmlns:a16="http://schemas.microsoft.com/office/drawing/2014/main" id="{48BF813E-CE09-91E3-C222-8226E0323643}"/>
+              </a:ext>
+            </a:extLst>
+          </p:cNvPr>
+          <p:cNvSpPr/>
+          <p:nvPr/>
+        </p:nvSpPr>
+        <p:spPr>
+          <a:xfrm>
+            <a:off x="3721426" y="3068960"/>
+            <a:ext cx="1728192" cy="1080120"/>
+          </a:xfrm>
+          <a:prstGeom prst="ellipse">
+            <a:avLst/>
+          </a:prstGeom>
+          <a:noFill/>
+        </p:spPr>
+        <p:style>
+          <a:lnRef idx="2">
+            <a:schemeClr val="accent1">
+              <a:shade val="15000"/>
+            </a:schemeClr>
+          </a:lnRef>
+          <a:fillRef idx="1">
+            <a:schemeClr val="accent1"/>
+          </a:fillRef>
+          <a:effectRef idx="0">
+            <a:schemeClr val="accent1"/>
+          </a:effectRef>
+          <a:fontRef idx="minor">
+            <a:schemeClr val="lt1"/>
+          </a:fontRef>
+        </p:style>
+        <p:txBody>
+          <a:bodyPr rtlCol="0" anchor="ctr"/>
+          <a:lstStyle/>
+          <a:p>
+            <a:pPr algn="ctr"/>
+            <a:r>
+              <a:rPr lang="en-US" altLang="ko-KR" dirty="0">
+                <a:solidFill>
+                  <a:schemeClr val="tx1"/>
+                </a:solidFill>
+              </a:rPr>
+              <a:t>grasping</a:t>
+            </a:r>
+            <a:endParaRPr lang="ko-KR" altLang="en-US" dirty="0">
+              <a:solidFill>
+                <a:schemeClr val="tx1"/>
+              </a:solidFill>
+            </a:endParaRPr>
+          </a:p>
+        </p:txBody>
+      </p:sp>
+      <p:sp>
+        <p:nvSpPr>
+          <p:cNvPr id="6" name="타원 5">
+            <a:extLst>
+              <a:ext uri="{FF2B5EF4-FFF2-40B4-BE49-F238E27FC236}">
+                <a16:creationId xmlns:a16="http://schemas.microsoft.com/office/drawing/2014/main" id="{D44D91D2-4EDD-6A13-AAA3-E7D681DFDC92}"/>
+              </a:ext>
+            </a:extLst>
+          </p:cNvPr>
+          <p:cNvSpPr/>
+          <p:nvPr/>
+        </p:nvSpPr>
+        <p:spPr>
+          <a:xfrm>
+            <a:off x="6321152" y="3068960"/>
+            <a:ext cx="1728192" cy="1080120"/>
+          </a:xfrm>
+          <a:prstGeom prst="ellipse">
+            <a:avLst/>
+          </a:prstGeom>
+          <a:noFill/>
+        </p:spPr>
+        <p:style>
+          <a:lnRef idx="2">
+            <a:schemeClr val="accent1">
+              <a:shade val="15000"/>
+            </a:schemeClr>
+          </a:lnRef>
+          <a:fillRef idx="1">
+            <a:schemeClr val="accent1"/>
+          </a:fillRef>
+          <a:effectRef idx="0">
+            <a:schemeClr val="accent1"/>
+          </a:effectRef>
+          <a:fontRef idx="minor">
+            <a:schemeClr val="lt1"/>
+          </a:fontRef>
+        </p:style>
+        <p:txBody>
+          <a:bodyPr rtlCol="0" anchor="ctr"/>
+          <a:lstStyle/>
+          <a:p>
+            <a:pPr algn="ctr"/>
+            <a:r>
+              <a:rPr lang="en-US" altLang="ko-KR" dirty="0">
+                <a:solidFill>
+                  <a:schemeClr val="tx1"/>
+                </a:solidFill>
+              </a:rPr>
+              <a:t>Re-grasping</a:t>
+            </a:r>
+            <a:endParaRPr lang="ko-KR" altLang="en-US" dirty="0">
+              <a:solidFill>
+                <a:schemeClr val="tx1"/>
+              </a:solidFill>
+            </a:endParaRPr>
+          </a:p>
+        </p:txBody>
+      </p:sp>
+      <p:sp>
+        <p:nvSpPr>
+          <p:cNvPr id="7" name="화살표: 오른쪽 6">
+            <a:extLst>
+              <a:ext uri="{FF2B5EF4-FFF2-40B4-BE49-F238E27FC236}">
+                <a16:creationId xmlns:a16="http://schemas.microsoft.com/office/drawing/2014/main" id="{4756A0FF-6979-939C-CEF0-9275D18511A1}"/>
+              </a:ext>
+            </a:extLst>
+          </p:cNvPr>
+          <p:cNvSpPr/>
+          <p:nvPr/>
+        </p:nvSpPr>
+        <p:spPr>
+          <a:xfrm>
+            <a:off x="3113077" y="3545646"/>
+            <a:ext cx="496618" cy="144016"/>
+          </a:xfrm>
+          <a:prstGeom prst="rightArrow">
+            <a:avLst/>
+          </a:prstGeom>
+        </p:spPr>
+        <p:style>
+          <a:lnRef idx="2">
+            <a:schemeClr val="accent1">
+              <a:shade val="15000"/>
+            </a:schemeClr>
+          </a:lnRef>
+          <a:fillRef idx="1">
+            <a:schemeClr val="accent1"/>
+          </a:fillRef>
+          <a:effectRef idx="0">
+            <a:schemeClr val="accent1"/>
+          </a:effectRef>
+          <a:fontRef idx="minor">
+            <a:schemeClr val="lt1"/>
+          </a:fontRef>
+        </p:style>
+        <p:txBody>
+          <a:bodyPr rtlCol="0" anchor="ctr"/>
+          <a:lstStyle/>
+          <a:p>
+            <a:pPr algn="ctr"/>
+            <a:endParaRPr lang="ko-KR" altLang="en-US"/>
+          </a:p>
+        </p:txBody>
+      </p:sp>
+      <p:sp>
+        <p:nvSpPr>
+          <p:cNvPr id="10" name="화살표: 오른쪽 9">
+            <a:extLst>
+              <a:ext uri="{FF2B5EF4-FFF2-40B4-BE49-F238E27FC236}">
+                <a16:creationId xmlns:a16="http://schemas.microsoft.com/office/drawing/2014/main" id="{6441CA25-8271-22AD-7AE8-B53081C1E3A3}"/>
+              </a:ext>
+            </a:extLst>
+          </p:cNvPr>
+          <p:cNvSpPr/>
+          <p:nvPr/>
+        </p:nvSpPr>
+        <p:spPr>
+          <a:xfrm rot="14055408">
+            <a:off x="6421455" y="2690275"/>
+            <a:ext cx="496618" cy="144016"/>
+          </a:xfrm>
+          <a:prstGeom prst="rightArrow">
+            <a:avLst/>
+          </a:prstGeom>
+        </p:spPr>
+        <p:style>
+          <a:lnRef idx="2">
+            <a:schemeClr val="accent1">
+              <a:shade val="15000"/>
+            </a:schemeClr>
+          </a:lnRef>
+          <a:fillRef idx="1">
+            <a:schemeClr val="accent1"/>
+          </a:fillRef>
+          <a:effectRef idx="0">
+            <a:schemeClr val="accent1"/>
+          </a:effectRef>
+          <a:fontRef idx="minor">
+            <a:schemeClr val="lt1"/>
+          </a:fontRef>
+        </p:style>
+        <p:txBody>
+          <a:bodyPr rtlCol="0" anchor="ctr"/>
+          <a:lstStyle/>
+          <a:p>
+            <a:pPr algn="ctr"/>
+            <a:endParaRPr lang="ko-KR" altLang="en-US"/>
+          </a:p>
+        </p:txBody>
+      </p:sp>
+      <p:sp>
+        <p:nvSpPr>
+          <p:cNvPr id="11" name="TextBox 10">
+            <a:extLst>
+              <a:ext uri="{FF2B5EF4-FFF2-40B4-BE49-F238E27FC236}">
+                <a16:creationId xmlns:a16="http://schemas.microsoft.com/office/drawing/2014/main" id="{0C2B0B0B-C7F3-5FAC-70B9-0E593890BCB0}"/>
+              </a:ext>
+            </a:extLst>
+          </p:cNvPr>
+          <p:cNvSpPr txBox="1"/>
+          <p:nvPr/>
+        </p:nvSpPr>
+        <p:spPr>
+          <a:xfrm>
+            <a:off x="1208584" y="4212155"/>
+            <a:ext cx="2232248" cy="523220"/>
+          </a:xfrm>
+          <a:prstGeom prst="rect">
+            <a:avLst/>
+          </a:prstGeom>
+          <a:noFill/>
+        </p:spPr>
+        <p:txBody>
+          <a:bodyPr wrap="square" rtlCol="0">
+            <a:spAutoFit/>
+          </a:bodyPr>
+          <a:lstStyle/>
+          <a:p>
+            <a:r>
+              <a:rPr lang="en-US" altLang="ko-KR" sz="1400" dirty="0"/>
+              <a:t>45</a:t>
+            </a:r>
+            <a:r>
+              <a:rPr lang="ko-KR" altLang="en-US" sz="1400" dirty="0"/>
+              <a:t>도 각도에서 </a:t>
+            </a:r>
+            <a:r>
+              <a:rPr lang="en-US" altLang="ko-KR" sz="1400" dirty="0"/>
+              <a:t>20</a:t>
+            </a:r>
+            <a:r>
+              <a:rPr lang="ko-KR" altLang="en-US" sz="1400" dirty="0"/>
+              <a:t>초 까지 대기</a:t>
+            </a:r>
+          </a:p>
+        </p:txBody>
+      </p:sp>
+      <p:sp>
+        <p:nvSpPr>
+          <p:cNvPr id="12" name="TextBox 11">
+            <a:extLst>
+              <a:ext uri="{FF2B5EF4-FFF2-40B4-BE49-F238E27FC236}">
+                <a16:creationId xmlns:a16="http://schemas.microsoft.com/office/drawing/2014/main" id="{C7C208C1-3051-4FAE-CAD2-E80B976F2156}"/>
+              </a:ext>
+            </a:extLst>
+          </p:cNvPr>
+          <p:cNvSpPr txBox="1"/>
+          <p:nvPr/>
+        </p:nvSpPr>
+        <p:spPr>
+          <a:xfrm>
+            <a:off x="3721426" y="4212155"/>
+            <a:ext cx="2232248" cy="523220"/>
+          </a:xfrm>
+          <a:prstGeom prst="rect">
+            <a:avLst/>
+          </a:prstGeom>
+          <a:noFill/>
+        </p:spPr>
+        <p:txBody>
+          <a:bodyPr wrap="square" rtlCol="0">
+            <a:spAutoFit/>
+          </a:bodyPr>
+          <a:lstStyle/>
+          <a:p>
+            <a:r>
+              <a:rPr lang="en-US" altLang="ko-KR" sz="1400" dirty="0"/>
+              <a:t>20</a:t>
+            </a:r>
+            <a:r>
+              <a:rPr lang="ko-KR" altLang="en-US" sz="1400" dirty="0"/>
+              <a:t>초부터 명령 속도로 팔을 계속 안으로 접음</a:t>
+            </a:r>
+          </a:p>
+        </p:txBody>
+      </p:sp>
+      <p:sp>
+        <p:nvSpPr>
+          <p:cNvPr id="14" name="TextBox 13">
+            <a:extLst>
+              <a:ext uri="{FF2B5EF4-FFF2-40B4-BE49-F238E27FC236}">
+                <a16:creationId xmlns:a16="http://schemas.microsoft.com/office/drawing/2014/main" id="{EF1F00BA-538C-7127-186D-F60A5E8E7389}"/>
+              </a:ext>
+            </a:extLst>
+          </p:cNvPr>
+          <p:cNvSpPr txBox="1"/>
+          <p:nvPr/>
+        </p:nvSpPr>
+        <p:spPr>
+          <a:xfrm>
+            <a:off x="6234268" y="4212155"/>
+            <a:ext cx="2752824" cy="523220"/>
+          </a:xfrm>
+          <a:prstGeom prst="rect">
+            <a:avLst/>
+          </a:prstGeom>
+          <a:noFill/>
+        </p:spPr>
+        <p:txBody>
+          <a:bodyPr wrap="square" rtlCol="0">
+            <a:spAutoFit/>
+          </a:bodyPr>
+          <a:lstStyle/>
+          <a:p>
+            <a:r>
+              <a:rPr lang="ko-KR" altLang="en-US" sz="1400" dirty="0"/>
+              <a:t>잡기가 실패하면 실패한 이유에 따라 </a:t>
+            </a:r>
+            <a:r>
+              <a:rPr lang="ko-KR" altLang="en-US" sz="1400" dirty="0" err="1"/>
+              <a:t>재파지를</a:t>
+            </a:r>
+            <a:r>
+              <a:rPr lang="ko-KR" altLang="en-US" sz="1400" dirty="0"/>
+              <a:t> 시도</a:t>
+            </a:r>
+          </a:p>
+        </p:txBody>
+      </p:sp>
+      <p:sp>
+        <p:nvSpPr>
+          <p:cNvPr id="15" name="TextBox 14">
+            <a:extLst>
+              <a:ext uri="{FF2B5EF4-FFF2-40B4-BE49-F238E27FC236}">
+                <a16:creationId xmlns:a16="http://schemas.microsoft.com/office/drawing/2014/main" id="{7F77E75F-C71E-8AC0-33E0-DDFE243E10FC}"/>
+              </a:ext>
+            </a:extLst>
+          </p:cNvPr>
+          <p:cNvSpPr txBox="1"/>
+          <p:nvPr/>
+        </p:nvSpPr>
+        <p:spPr>
+          <a:xfrm>
+            <a:off x="3721426" y="4798450"/>
+            <a:ext cx="2232248" cy="523220"/>
+          </a:xfrm>
+          <a:prstGeom prst="rect">
+            <a:avLst/>
+          </a:prstGeom>
+          <a:noFill/>
+        </p:spPr>
+        <p:txBody>
+          <a:bodyPr wrap="square" rtlCol="0">
+            <a:spAutoFit/>
+          </a:bodyPr>
+          <a:lstStyle/>
+          <a:p>
+            <a:r>
+              <a:rPr lang="en-US" altLang="ko-KR" sz="1400" dirty="0"/>
+              <a:t>Touch, slip, empty</a:t>
+            </a:r>
+            <a:r>
+              <a:rPr lang="ko-KR" altLang="en-US" sz="1400" dirty="0"/>
+              <a:t>에</a:t>
+            </a:r>
+            <a:r>
+              <a:rPr lang="en-US" altLang="ko-KR" sz="1400" dirty="0"/>
+              <a:t> </a:t>
+            </a:r>
+            <a:r>
+              <a:rPr lang="ko-KR" altLang="en-US" sz="1400" dirty="0"/>
+              <a:t>대한 판단 실행</a:t>
+            </a:r>
+          </a:p>
+        </p:txBody>
+      </p:sp>
+      <p:sp>
+        <p:nvSpPr>
+          <p:cNvPr id="16" name="타원 15">
+            <a:extLst>
+              <a:ext uri="{FF2B5EF4-FFF2-40B4-BE49-F238E27FC236}">
+                <a16:creationId xmlns:a16="http://schemas.microsoft.com/office/drawing/2014/main" id="{49B0355F-0DE6-6EB1-8FDF-602D5F6B8D25}"/>
+              </a:ext>
+            </a:extLst>
+          </p:cNvPr>
+          <p:cNvSpPr/>
+          <p:nvPr/>
+        </p:nvSpPr>
+        <p:spPr>
+          <a:xfrm>
+            <a:off x="4849653" y="1565725"/>
+            <a:ext cx="1728192" cy="1080120"/>
+          </a:xfrm>
+          <a:prstGeom prst="ellipse">
+            <a:avLst/>
+          </a:prstGeom>
+          <a:noFill/>
+        </p:spPr>
+        <p:style>
+          <a:lnRef idx="2">
+            <a:schemeClr val="accent1">
+              <a:shade val="15000"/>
+            </a:schemeClr>
+          </a:lnRef>
+          <a:fillRef idx="1">
+            <a:schemeClr val="accent1"/>
+          </a:fillRef>
+          <a:effectRef idx="0">
+            <a:schemeClr val="accent1"/>
+          </a:effectRef>
+          <a:fontRef idx="minor">
+            <a:schemeClr val="lt1"/>
+          </a:fontRef>
+        </p:style>
+        <p:txBody>
+          <a:bodyPr rtlCol="0" anchor="ctr"/>
+          <a:lstStyle/>
+          <a:p>
+            <a:pPr algn="ctr"/>
+            <a:r>
+              <a:rPr lang="en-US" altLang="ko-KR" dirty="0">
+                <a:solidFill>
+                  <a:schemeClr val="tx1"/>
+                </a:solidFill>
+              </a:rPr>
+              <a:t>Grasping complete</a:t>
+            </a:r>
+            <a:endParaRPr lang="ko-KR" altLang="en-US" dirty="0">
+              <a:solidFill>
+                <a:schemeClr val="tx1"/>
+              </a:solidFill>
+            </a:endParaRPr>
+          </a:p>
+        </p:txBody>
+      </p:sp>
+      <p:sp>
+        <p:nvSpPr>
+          <p:cNvPr id="17" name="화살표: 오른쪽 16">
+            <a:extLst>
+              <a:ext uri="{FF2B5EF4-FFF2-40B4-BE49-F238E27FC236}">
+                <a16:creationId xmlns:a16="http://schemas.microsoft.com/office/drawing/2014/main" id="{6232C8E6-14F8-FCF1-40C3-0C4328B75C7A}"/>
+              </a:ext>
+            </a:extLst>
+          </p:cNvPr>
+          <p:cNvSpPr/>
+          <p:nvPr/>
+        </p:nvSpPr>
+        <p:spPr>
+          <a:xfrm rot="19174393">
+            <a:off x="4586780" y="2653404"/>
+            <a:ext cx="534485" cy="184708"/>
+          </a:xfrm>
+          <a:prstGeom prst="rightArrow">
+            <a:avLst/>
+          </a:prstGeom>
+        </p:spPr>
+        <p:style>
+          <a:lnRef idx="2">
+            <a:schemeClr val="accent1">
+              <a:shade val="15000"/>
+            </a:schemeClr>
+          </a:lnRef>
+          <a:fillRef idx="1">
+            <a:schemeClr val="accent1"/>
+          </a:fillRef>
+          <a:effectRef idx="0">
+            <a:schemeClr val="accent1"/>
+          </a:effectRef>
+          <a:fontRef idx="minor">
+            <a:schemeClr val="lt1"/>
+          </a:fontRef>
+        </p:style>
+        <p:txBody>
+          <a:bodyPr rtlCol="0" anchor="ctr"/>
+          <a:lstStyle/>
+          <a:p>
+            <a:pPr algn="ctr"/>
+            <a:endParaRPr lang="ko-KR" altLang="en-US"/>
+          </a:p>
+        </p:txBody>
+      </p:sp>
+      <p:sp>
+        <p:nvSpPr>
+          <p:cNvPr id="18" name="화살표: 오른쪽 17">
+            <a:extLst>
+              <a:ext uri="{FF2B5EF4-FFF2-40B4-BE49-F238E27FC236}">
+                <a16:creationId xmlns:a16="http://schemas.microsoft.com/office/drawing/2014/main" id="{06220F80-5F8F-3C23-3861-C5C0EE5C6858}"/>
+              </a:ext>
+            </a:extLst>
+          </p:cNvPr>
+          <p:cNvSpPr/>
+          <p:nvPr/>
+        </p:nvSpPr>
+        <p:spPr>
+          <a:xfrm>
+            <a:off x="5713749" y="3698046"/>
+            <a:ext cx="496618" cy="144016"/>
+          </a:xfrm>
+          <a:prstGeom prst="rightArrow">
+            <a:avLst/>
+          </a:prstGeom>
+        </p:spPr>
+        <p:style>
+          <a:lnRef idx="2">
+            <a:schemeClr val="accent1">
+              <a:shade val="15000"/>
+            </a:schemeClr>
+          </a:lnRef>
+          <a:fillRef idx="1">
+            <a:schemeClr val="accent1"/>
+          </a:fillRef>
+          <a:effectRef idx="0">
+            <a:schemeClr val="accent1"/>
+          </a:effectRef>
+          <a:fontRef idx="minor">
+            <a:schemeClr val="lt1"/>
+          </a:fontRef>
+        </p:style>
+        <p:txBody>
+          <a:bodyPr rtlCol="0" anchor="ctr"/>
+          <a:lstStyle/>
+          <a:p>
+            <a:pPr algn="ctr"/>
+            <a:endParaRPr lang="ko-KR" altLang="en-US"/>
+          </a:p>
+        </p:txBody>
+      </p:sp>
+      <p:sp>
+        <p:nvSpPr>
+          <p:cNvPr id="8" name="TextBox 7">
+            <a:extLst>
+              <a:ext uri="{FF2B5EF4-FFF2-40B4-BE49-F238E27FC236}">
+                <a16:creationId xmlns:a16="http://schemas.microsoft.com/office/drawing/2014/main" id="{E01A45CA-BFA1-43F1-93A5-580029391399}"/>
+              </a:ext>
+            </a:extLst>
+          </p:cNvPr>
+          <p:cNvSpPr txBox="1"/>
+          <p:nvPr/>
+        </p:nvSpPr>
+        <p:spPr>
+          <a:xfrm>
+            <a:off x="6292795" y="4782039"/>
+            <a:ext cx="2232248" cy="523220"/>
+          </a:xfrm>
+          <a:prstGeom prst="rect">
+            <a:avLst/>
+          </a:prstGeom>
+          <a:noFill/>
+        </p:spPr>
+        <p:txBody>
+          <a:bodyPr wrap="square" rtlCol="0">
+            <a:spAutoFit/>
+          </a:bodyPr>
+          <a:lstStyle/>
+          <a:p>
+            <a:r>
+              <a:rPr lang="en-US" altLang="ko-KR" sz="1400" dirty="0"/>
+              <a:t>Touch, slip, empty</a:t>
+            </a:r>
+            <a:r>
+              <a:rPr lang="ko-KR" altLang="en-US" sz="1400" dirty="0"/>
+              <a:t>에</a:t>
+            </a:r>
+            <a:r>
+              <a:rPr lang="en-US" altLang="ko-KR" sz="1400" dirty="0"/>
+              <a:t> </a:t>
+            </a:r>
+            <a:r>
+              <a:rPr lang="ko-KR" altLang="en-US" sz="1400" dirty="0"/>
+              <a:t>대한 판단 실행</a:t>
+            </a:r>
+          </a:p>
+        </p:txBody>
+      </p:sp>
+    </p:spTree>
+    <p:extLst>
+      <p:ext uri="{BB962C8B-B14F-4D97-AF65-F5344CB8AC3E}">
+        <p14:creationId xmlns:p14="http://schemas.microsoft.com/office/powerpoint/2010/main" val="2976202272"/>
+      </p:ext>
+    </p:extLst>
+  </p:cSld>
+  <p:clrMapOvr>
+    <a:masterClrMapping/>
+  </p:clrMapOvr>
+</p:sld>
+</file>
+
+<file path=ppt/slides/slide5.xml><?xml version="1.0" encoding="utf-8"?>
+<p:sld xmlns:a="http://schemas.openxmlformats.org/drawingml/2006/main" xmlns:r="http://schemas.openxmlformats.org/officeDocument/2006/relationships" xmlns:p="http://schemas.openxmlformats.org/presentationml/2006/main">
+  <p:cSld>
+    <p:spTree>
+      <p:nvGrpSpPr>
+        <p:cNvPr id="1" name="">
+          <a:extLst>
+            <a:ext uri="{FF2B5EF4-FFF2-40B4-BE49-F238E27FC236}">
+              <a16:creationId xmlns:a16="http://schemas.microsoft.com/office/drawing/2014/main" id="{A865178D-2E6D-911F-B959-67457ACD5E35}"/>
+            </a:ext>
+          </a:extLst>
+        </p:cNvPr>
+        <p:cNvGrpSpPr/>
+        <p:nvPr/>
+      </p:nvGrpSpPr>
+      <p:grpSpPr>
+        <a:xfrm>
+          <a:off x="0" y="0"/>
+          <a:ext cx="0" cy="0"/>
+          <a:chOff x="0" y="0"/>
+          <a:chExt cx="0" cy="0"/>
+        </a:xfrm>
+      </p:grpSpPr>
+      <p:sp>
+        <p:nvSpPr>
+          <p:cNvPr id="2" name="TextBox 1">
+            <a:extLst>
+              <a:ext uri="{FF2B5EF4-FFF2-40B4-BE49-F238E27FC236}">
+                <a16:creationId xmlns:a16="http://schemas.microsoft.com/office/drawing/2014/main" id="{DB6CB66C-4C2C-7B47-0784-BC15B27D20CB}"/>
+              </a:ext>
+            </a:extLst>
+          </p:cNvPr>
+          <p:cNvSpPr txBox="1"/>
+          <p:nvPr/>
+        </p:nvSpPr>
+        <p:spPr>
+          <a:xfrm>
+            <a:off x="337050" y="187009"/>
+            <a:ext cx="6552728" cy="523220"/>
+          </a:xfrm>
+          <a:prstGeom prst="rect">
+            <a:avLst/>
+          </a:prstGeom>
+          <a:noFill/>
+        </p:spPr>
+        <p:txBody>
+          <a:bodyPr wrap="square" rtlCol="0">
+            <a:spAutoFit/>
+          </a:bodyPr>
+          <a:lstStyle/>
+          <a:p>
+            <a:r>
+              <a:rPr lang="en-US" altLang="ko-KR" sz="2800" b="1" dirty="0">
+                <a:solidFill>
+                  <a:srgbClr val="413787"/>
+                </a:solidFill>
+              </a:rPr>
+              <a:t>FSM</a:t>
+            </a:r>
+            <a:r>
+              <a:rPr lang="ko-KR" altLang="en-US" sz="2800" b="1" dirty="0">
+                <a:solidFill>
+                  <a:srgbClr val="413787"/>
+                </a:solidFill>
+              </a:rPr>
+              <a:t> </a:t>
+            </a:r>
+            <a:r>
+              <a:rPr lang="en-US" altLang="ko-KR" sz="2800" b="1" dirty="0">
+                <a:solidFill>
+                  <a:srgbClr val="413787"/>
+                </a:solidFill>
+              </a:rPr>
+              <a:t>State definition</a:t>
+            </a:r>
+          </a:p>
+        </p:txBody>
+      </p:sp>
+      <p:sp>
+        <p:nvSpPr>
+          <p:cNvPr id="5" name="타원 4">
+            <a:extLst>
+              <a:ext uri="{FF2B5EF4-FFF2-40B4-BE49-F238E27FC236}">
+                <a16:creationId xmlns:a16="http://schemas.microsoft.com/office/drawing/2014/main" id="{6FB8C3E9-073C-E1DD-74C0-DC9C884B17E6}"/>
+              </a:ext>
+            </a:extLst>
+          </p:cNvPr>
+          <p:cNvSpPr/>
+          <p:nvPr/>
+        </p:nvSpPr>
+        <p:spPr>
+          <a:xfrm>
+            <a:off x="1273154" y="3077594"/>
+            <a:ext cx="1728192" cy="1080120"/>
+          </a:xfrm>
+          <a:prstGeom prst="ellipse">
+            <a:avLst/>
+          </a:prstGeom>
+          <a:noFill/>
+        </p:spPr>
+        <p:style>
+          <a:lnRef idx="2">
+            <a:schemeClr val="accent1">
+              <a:shade val="15000"/>
+            </a:schemeClr>
+          </a:lnRef>
+          <a:fillRef idx="1">
+            <a:schemeClr val="accent1"/>
+          </a:fillRef>
+          <a:effectRef idx="0">
+            <a:schemeClr val="accent1"/>
+          </a:effectRef>
+          <a:fontRef idx="minor">
+            <a:schemeClr val="lt1"/>
+          </a:fontRef>
+        </p:style>
+        <p:txBody>
+          <a:bodyPr rtlCol="0" anchor="ctr"/>
+          <a:lstStyle/>
+          <a:p>
+            <a:pPr algn="ctr"/>
+            <a:r>
+              <a:rPr lang="en-US" altLang="ko-KR" dirty="0">
+                <a:solidFill>
+                  <a:schemeClr val="tx1"/>
+                </a:solidFill>
+              </a:rPr>
+              <a:t>Pre-grasping</a:t>
+            </a:r>
+            <a:endParaRPr lang="ko-KR" altLang="en-US" dirty="0">
+              <a:solidFill>
+                <a:schemeClr val="tx1"/>
+              </a:solidFill>
+            </a:endParaRPr>
+          </a:p>
+        </p:txBody>
+      </p:sp>
+      <p:sp>
+        <p:nvSpPr>
+          <p:cNvPr id="3" name="TextBox 2">
+            <a:extLst>
+              <a:ext uri="{FF2B5EF4-FFF2-40B4-BE49-F238E27FC236}">
+                <a16:creationId xmlns:a16="http://schemas.microsoft.com/office/drawing/2014/main" id="{F5B5885F-E0A8-62DF-BB08-FC10B7E8273D}"/>
+              </a:ext>
+            </a:extLst>
+          </p:cNvPr>
+          <p:cNvSpPr txBox="1"/>
+          <p:nvPr/>
+        </p:nvSpPr>
+        <p:spPr>
+          <a:xfrm>
+            <a:off x="488504" y="836712"/>
+            <a:ext cx="5256584" cy="323165"/>
+          </a:xfrm>
+          <a:prstGeom prst="rect">
+            <a:avLst/>
+          </a:prstGeom>
+          <a:noFill/>
+        </p:spPr>
+        <p:txBody>
+          <a:bodyPr wrap="square" rtlCol="0">
+            <a:spAutoFit/>
+          </a:bodyPr>
+          <a:lstStyle/>
+          <a:p>
+            <a:r>
+              <a:rPr lang="ko-KR" altLang="en-US" dirty="0"/>
+              <a:t>먼저 전체 </a:t>
+            </a:r>
+            <a:r>
+              <a:rPr lang="ko-KR" altLang="en-US" dirty="0" err="1"/>
+              <a:t>최상단</a:t>
+            </a:r>
+            <a:r>
+              <a:rPr lang="ko-KR" altLang="en-US" dirty="0"/>
+              <a:t> </a:t>
+            </a:r>
+            <a:r>
+              <a:rPr lang="en-US" altLang="ko-KR" dirty="0"/>
+              <a:t>FSM </a:t>
+            </a:r>
+            <a:r>
+              <a:rPr lang="ko-KR" altLang="en-US" dirty="0"/>
+              <a:t>동작부터 </a:t>
+            </a:r>
+            <a:r>
+              <a:rPr lang="ko-KR" altLang="en-US" dirty="0" err="1"/>
+              <a:t>설명합니당</a:t>
+            </a:r>
+            <a:endParaRPr lang="en-US" altLang="ko-KR" dirty="0"/>
+          </a:p>
+        </p:txBody>
+      </p:sp>
+      <p:sp>
+        <p:nvSpPr>
+          <p:cNvPr id="4" name="타원 3">
+            <a:extLst>
+              <a:ext uri="{FF2B5EF4-FFF2-40B4-BE49-F238E27FC236}">
+                <a16:creationId xmlns:a16="http://schemas.microsoft.com/office/drawing/2014/main" id="{746C6F34-0713-1A40-2578-7F654001DB7C}"/>
+              </a:ext>
+            </a:extLst>
+          </p:cNvPr>
+          <p:cNvSpPr/>
+          <p:nvPr/>
+        </p:nvSpPr>
+        <p:spPr>
+          <a:xfrm>
+            <a:off x="3721426" y="3068960"/>
+            <a:ext cx="1728192" cy="1080120"/>
+          </a:xfrm>
+          <a:prstGeom prst="ellipse">
+            <a:avLst/>
+          </a:prstGeom>
+          <a:noFill/>
+        </p:spPr>
+        <p:style>
+          <a:lnRef idx="2">
+            <a:schemeClr val="accent1">
+              <a:shade val="15000"/>
+            </a:schemeClr>
+          </a:lnRef>
+          <a:fillRef idx="1">
+            <a:schemeClr val="accent1"/>
+          </a:fillRef>
+          <a:effectRef idx="0">
+            <a:schemeClr val="accent1"/>
+          </a:effectRef>
+          <a:fontRef idx="minor">
+            <a:schemeClr val="lt1"/>
+          </a:fontRef>
+        </p:style>
+        <p:txBody>
+          <a:bodyPr rtlCol="0" anchor="ctr"/>
+          <a:lstStyle/>
+          <a:p>
+            <a:pPr algn="ctr"/>
+            <a:r>
+              <a:rPr lang="en-US" altLang="ko-KR" dirty="0">
+                <a:solidFill>
+                  <a:schemeClr val="tx1"/>
+                </a:solidFill>
+              </a:rPr>
+              <a:t>grasping</a:t>
+            </a:r>
+            <a:endParaRPr lang="ko-KR" altLang="en-US" dirty="0">
+              <a:solidFill>
+                <a:schemeClr val="tx1"/>
+              </a:solidFill>
+            </a:endParaRPr>
+          </a:p>
+        </p:txBody>
+      </p:sp>
+      <p:sp>
+        <p:nvSpPr>
+          <p:cNvPr id="6" name="타원 5">
+            <a:extLst>
+              <a:ext uri="{FF2B5EF4-FFF2-40B4-BE49-F238E27FC236}">
+                <a16:creationId xmlns:a16="http://schemas.microsoft.com/office/drawing/2014/main" id="{C0DC6032-3C2B-DC9B-50D5-C3DB994C4725}"/>
+              </a:ext>
+            </a:extLst>
+          </p:cNvPr>
+          <p:cNvSpPr/>
+          <p:nvPr/>
+        </p:nvSpPr>
+        <p:spPr>
+          <a:xfrm>
+            <a:off x="6321152" y="3068960"/>
+            <a:ext cx="1728192" cy="1080120"/>
+          </a:xfrm>
+          <a:prstGeom prst="ellipse">
+            <a:avLst/>
+          </a:prstGeom>
+          <a:noFill/>
+        </p:spPr>
+        <p:style>
+          <a:lnRef idx="2">
+            <a:schemeClr val="accent1">
+              <a:shade val="15000"/>
+            </a:schemeClr>
+          </a:lnRef>
+          <a:fillRef idx="1">
+            <a:schemeClr val="accent1"/>
+          </a:fillRef>
+          <a:effectRef idx="0">
+            <a:schemeClr val="accent1"/>
+          </a:effectRef>
+          <a:fontRef idx="minor">
+            <a:schemeClr val="lt1"/>
+          </a:fontRef>
+        </p:style>
+        <p:txBody>
+          <a:bodyPr rtlCol="0" anchor="ctr"/>
+          <a:lstStyle/>
+          <a:p>
+            <a:pPr algn="ctr"/>
+            <a:r>
+              <a:rPr lang="en-US" altLang="ko-KR" dirty="0">
+                <a:solidFill>
+                  <a:schemeClr val="tx1"/>
+                </a:solidFill>
+              </a:rPr>
+              <a:t>Re-grasping</a:t>
+            </a:r>
+            <a:endParaRPr lang="ko-KR" altLang="en-US" dirty="0">
+              <a:solidFill>
+                <a:schemeClr val="tx1"/>
+              </a:solidFill>
+            </a:endParaRPr>
+          </a:p>
+        </p:txBody>
+      </p:sp>
+      <p:sp>
+        <p:nvSpPr>
+          <p:cNvPr id="7" name="화살표: 오른쪽 6">
+            <a:extLst>
+              <a:ext uri="{FF2B5EF4-FFF2-40B4-BE49-F238E27FC236}">
+                <a16:creationId xmlns:a16="http://schemas.microsoft.com/office/drawing/2014/main" id="{10D81048-1D84-08BC-18AF-EF1AB1A60C84}"/>
+              </a:ext>
+            </a:extLst>
+          </p:cNvPr>
+          <p:cNvSpPr/>
+          <p:nvPr/>
+        </p:nvSpPr>
+        <p:spPr>
+          <a:xfrm>
+            <a:off x="3113077" y="3545646"/>
+            <a:ext cx="496618" cy="144016"/>
+          </a:xfrm>
+          <a:prstGeom prst="rightArrow">
+            <a:avLst/>
+          </a:prstGeom>
+        </p:spPr>
+        <p:style>
+          <a:lnRef idx="2">
+            <a:schemeClr val="accent1">
+              <a:shade val="15000"/>
+            </a:schemeClr>
+          </a:lnRef>
+          <a:fillRef idx="1">
+            <a:schemeClr val="accent1"/>
+          </a:fillRef>
+          <a:effectRef idx="0">
+            <a:schemeClr val="accent1"/>
+          </a:effectRef>
+          <a:fontRef idx="minor">
+            <a:schemeClr val="lt1"/>
+          </a:fontRef>
+        </p:style>
+        <p:txBody>
+          <a:bodyPr rtlCol="0" anchor="ctr"/>
+          <a:lstStyle/>
+          <a:p>
+            <a:pPr algn="ctr"/>
+            <a:endParaRPr lang="ko-KR" altLang="en-US"/>
+          </a:p>
+        </p:txBody>
+      </p:sp>
+      <p:sp>
+        <p:nvSpPr>
+          <p:cNvPr id="10" name="화살표: 오른쪽 9">
+            <a:extLst>
+              <a:ext uri="{FF2B5EF4-FFF2-40B4-BE49-F238E27FC236}">
+                <a16:creationId xmlns:a16="http://schemas.microsoft.com/office/drawing/2014/main" id="{D8F9E1A0-67FB-8ADA-DDDE-9E72B063C651}"/>
+              </a:ext>
+            </a:extLst>
+          </p:cNvPr>
+          <p:cNvSpPr/>
+          <p:nvPr/>
+        </p:nvSpPr>
+        <p:spPr>
+          <a:xfrm rot="14055408">
+            <a:off x="6421455" y="2690275"/>
+            <a:ext cx="496618" cy="144016"/>
+          </a:xfrm>
+          <a:prstGeom prst="rightArrow">
+            <a:avLst/>
+          </a:prstGeom>
+        </p:spPr>
+        <p:style>
+          <a:lnRef idx="2">
+            <a:schemeClr val="accent1">
+              <a:shade val="15000"/>
+            </a:schemeClr>
+          </a:lnRef>
+          <a:fillRef idx="1">
+            <a:schemeClr val="accent1"/>
+          </a:fillRef>
+          <a:effectRef idx="0">
+            <a:schemeClr val="accent1"/>
+          </a:effectRef>
+          <a:fontRef idx="minor">
+            <a:schemeClr val="lt1"/>
+          </a:fontRef>
+        </p:style>
+        <p:txBody>
+          <a:bodyPr rtlCol="0" anchor="ctr"/>
+          <a:lstStyle/>
+          <a:p>
+            <a:pPr algn="ctr"/>
+            <a:endParaRPr lang="ko-KR" altLang="en-US"/>
+          </a:p>
+        </p:txBody>
+      </p:sp>
+      <p:sp>
+        <p:nvSpPr>
+          <p:cNvPr id="11" name="TextBox 10">
+            <a:extLst>
+              <a:ext uri="{FF2B5EF4-FFF2-40B4-BE49-F238E27FC236}">
+                <a16:creationId xmlns:a16="http://schemas.microsoft.com/office/drawing/2014/main" id="{68EC62ED-B959-BA63-6F9C-092E90152EE1}"/>
+              </a:ext>
+            </a:extLst>
+          </p:cNvPr>
+          <p:cNvSpPr txBox="1"/>
+          <p:nvPr/>
+        </p:nvSpPr>
+        <p:spPr>
+          <a:xfrm>
+            <a:off x="1208584" y="4212155"/>
+            <a:ext cx="2232248" cy="523220"/>
+          </a:xfrm>
+          <a:prstGeom prst="rect">
+            <a:avLst/>
+          </a:prstGeom>
+          <a:noFill/>
+        </p:spPr>
+        <p:txBody>
+          <a:bodyPr wrap="square" rtlCol="0">
+            <a:spAutoFit/>
+          </a:bodyPr>
+          <a:lstStyle/>
+          <a:p>
+            <a:r>
+              <a:rPr lang="en-US" altLang="ko-KR" sz="1400" dirty="0"/>
+              <a:t>45</a:t>
+            </a:r>
+            <a:r>
+              <a:rPr lang="ko-KR" altLang="en-US" sz="1400" dirty="0"/>
+              <a:t>도 각도에서 </a:t>
+            </a:r>
+            <a:r>
+              <a:rPr lang="en-US" altLang="ko-KR" sz="1400" dirty="0"/>
+              <a:t>20</a:t>
+            </a:r>
+            <a:r>
+              <a:rPr lang="ko-KR" altLang="en-US" sz="1400" dirty="0"/>
+              <a:t>초 까지 대기</a:t>
+            </a:r>
+          </a:p>
+        </p:txBody>
+      </p:sp>
+      <p:sp>
+        <p:nvSpPr>
+          <p:cNvPr id="12" name="TextBox 11">
+            <a:extLst>
+              <a:ext uri="{FF2B5EF4-FFF2-40B4-BE49-F238E27FC236}">
+                <a16:creationId xmlns:a16="http://schemas.microsoft.com/office/drawing/2014/main" id="{B360E8C6-2199-6CE7-3378-79416D94452A}"/>
+              </a:ext>
+            </a:extLst>
+          </p:cNvPr>
+          <p:cNvSpPr txBox="1"/>
+          <p:nvPr/>
+        </p:nvSpPr>
+        <p:spPr>
+          <a:xfrm>
+            <a:off x="3721426" y="4212155"/>
+            <a:ext cx="2232248" cy="523220"/>
+          </a:xfrm>
+          <a:prstGeom prst="rect">
+            <a:avLst/>
+          </a:prstGeom>
+          <a:noFill/>
+        </p:spPr>
+        <p:txBody>
+          <a:bodyPr wrap="square" rtlCol="0">
+            <a:spAutoFit/>
+          </a:bodyPr>
+          <a:lstStyle/>
+          <a:p>
+            <a:r>
+              <a:rPr lang="en-US" altLang="ko-KR" sz="1400" dirty="0"/>
+              <a:t>20</a:t>
+            </a:r>
+            <a:r>
+              <a:rPr lang="ko-KR" altLang="en-US" sz="1400" dirty="0"/>
+              <a:t>초부터 명령 속도로 팔을 계속 안으로 접음</a:t>
+            </a:r>
+          </a:p>
+        </p:txBody>
+      </p:sp>
+      <p:sp>
+        <p:nvSpPr>
+          <p:cNvPr id="14" name="TextBox 13">
+            <a:extLst>
+              <a:ext uri="{FF2B5EF4-FFF2-40B4-BE49-F238E27FC236}">
+                <a16:creationId xmlns:a16="http://schemas.microsoft.com/office/drawing/2014/main" id="{BFE91EA1-2504-BA42-B56E-BF9CC6D6A7B2}"/>
+              </a:ext>
+            </a:extLst>
+          </p:cNvPr>
+          <p:cNvSpPr txBox="1"/>
+          <p:nvPr/>
+        </p:nvSpPr>
+        <p:spPr>
+          <a:xfrm>
+            <a:off x="6234268" y="4212155"/>
+            <a:ext cx="2752824" cy="523220"/>
+          </a:xfrm>
+          <a:prstGeom prst="rect">
+            <a:avLst/>
+          </a:prstGeom>
+          <a:noFill/>
+        </p:spPr>
+        <p:txBody>
+          <a:bodyPr wrap="square" rtlCol="0">
+            <a:spAutoFit/>
+          </a:bodyPr>
+          <a:lstStyle/>
+          <a:p>
+            <a:r>
+              <a:rPr lang="ko-KR" altLang="en-US" sz="1400" dirty="0"/>
+              <a:t>잡기가 실패하면 실패한 이유에 따라 </a:t>
+            </a:r>
+            <a:r>
+              <a:rPr lang="ko-KR" altLang="en-US" sz="1400" dirty="0" err="1"/>
+              <a:t>재파지를</a:t>
+            </a:r>
+            <a:r>
+              <a:rPr lang="ko-KR" altLang="en-US" sz="1400" dirty="0"/>
+              <a:t> 시도</a:t>
+            </a:r>
+          </a:p>
+        </p:txBody>
+      </p:sp>
+      <p:sp>
+        <p:nvSpPr>
+          <p:cNvPr id="15" name="TextBox 14">
+            <a:extLst>
+              <a:ext uri="{FF2B5EF4-FFF2-40B4-BE49-F238E27FC236}">
+                <a16:creationId xmlns:a16="http://schemas.microsoft.com/office/drawing/2014/main" id="{D5555F4C-2F49-9398-9CC3-850BFF8AA1B5}"/>
+              </a:ext>
+            </a:extLst>
+          </p:cNvPr>
+          <p:cNvSpPr txBox="1"/>
+          <p:nvPr/>
+        </p:nvSpPr>
+        <p:spPr>
+          <a:xfrm>
+            <a:off x="3721426" y="4798450"/>
+            <a:ext cx="2232248" cy="523220"/>
+          </a:xfrm>
+          <a:prstGeom prst="rect">
+            <a:avLst/>
+          </a:prstGeom>
+          <a:noFill/>
+        </p:spPr>
+        <p:txBody>
+          <a:bodyPr wrap="square" rtlCol="0">
+            <a:spAutoFit/>
+          </a:bodyPr>
+          <a:lstStyle/>
+          <a:p>
+            <a:r>
+              <a:rPr lang="en-US" altLang="ko-KR" sz="1400" dirty="0"/>
+              <a:t>Touch, slip, empty</a:t>
+            </a:r>
+            <a:r>
+              <a:rPr lang="ko-KR" altLang="en-US" sz="1400" dirty="0"/>
+              <a:t>에</a:t>
+            </a:r>
+            <a:r>
+              <a:rPr lang="en-US" altLang="ko-KR" sz="1400" dirty="0"/>
+              <a:t> </a:t>
+            </a:r>
+            <a:r>
+              <a:rPr lang="ko-KR" altLang="en-US" sz="1400" dirty="0"/>
+              <a:t>대한 판단 실행</a:t>
+            </a:r>
+          </a:p>
+        </p:txBody>
+      </p:sp>
+      <p:sp>
+        <p:nvSpPr>
+          <p:cNvPr id="16" name="타원 15">
+            <a:extLst>
+              <a:ext uri="{FF2B5EF4-FFF2-40B4-BE49-F238E27FC236}">
+                <a16:creationId xmlns:a16="http://schemas.microsoft.com/office/drawing/2014/main" id="{0B2DD1FE-22A9-0A4D-8418-F6FA70B8B4F8}"/>
+              </a:ext>
+            </a:extLst>
+          </p:cNvPr>
+          <p:cNvSpPr/>
+          <p:nvPr/>
+        </p:nvSpPr>
+        <p:spPr>
+          <a:xfrm>
+            <a:off x="4849653" y="1565725"/>
+            <a:ext cx="1728192" cy="1080120"/>
+          </a:xfrm>
+          <a:prstGeom prst="ellipse">
+            <a:avLst/>
+          </a:prstGeom>
+          <a:noFill/>
+        </p:spPr>
+        <p:style>
+          <a:lnRef idx="2">
+            <a:schemeClr val="accent1">
+              <a:shade val="15000"/>
+            </a:schemeClr>
+          </a:lnRef>
+          <a:fillRef idx="1">
+            <a:schemeClr val="accent1"/>
+          </a:fillRef>
+          <a:effectRef idx="0">
+            <a:schemeClr val="accent1"/>
+          </a:effectRef>
+          <a:fontRef idx="minor">
+            <a:schemeClr val="lt1"/>
+          </a:fontRef>
+        </p:style>
+        <p:txBody>
+          <a:bodyPr rtlCol="0" anchor="ctr"/>
+          <a:lstStyle/>
+          <a:p>
+            <a:pPr algn="ctr"/>
+            <a:r>
+              <a:rPr lang="en-US" altLang="ko-KR" dirty="0">
+                <a:solidFill>
+                  <a:schemeClr val="tx1"/>
+                </a:solidFill>
+              </a:rPr>
+              <a:t>Grasping complete</a:t>
+            </a:r>
+            <a:endParaRPr lang="ko-KR" altLang="en-US" dirty="0">
+              <a:solidFill>
+                <a:schemeClr val="tx1"/>
+              </a:solidFill>
+            </a:endParaRPr>
+          </a:p>
+        </p:txBody>
+      </p:sp>
+      <p:sp>
+        <p:nvSpPr>
+          <p:cNvPr id="17" name="화살표: 오른쪽 16">
+            <a:extLst>
+              <a:ext uri="{FF2B5EF4-FFF2-40B4-BE49-F238E27FC236}">
+                <a16:creationId xmlns:a16="http://schemas.microsoft.com/office/drawing/2014/main" id="{FB3C7229-B43C-1FB2-8DC0-8B65EA5504A0}"/>
+              </a:ext>
+            </a:extLst>
+          </p:cNvPr>
+          <p:cNvSpPr/>
+          <p:nvPr/>
+        </p:nvSpPr>
+        <p:spPr>
+          <a:xfrm rot="19174393">
+            <a:off x="4586780" y="2653404"/>
+            <a:ext cx="534485" cy="184708"/>
+          </a:xfrm>
+          <a:prstGeom prst="rightArrow">
+            <a:avLst/>
+          </a:prstGeom>
+        </p:spPr>
+        <p:style>
+          <a:lnRef idx="2">
+            <a:schemeClr val="accent1">
+              <a:shade val="15000"/>
+            </a:schemeClr>
+          </a:lnRef>
+          <a:fillRef idx="1">
+            <a:schemeClr val="accent1"/>
+          </a:fillRef>
+          <a:effectRef idx="0">
+            <a:schemeClr val="accent1"/>
+          </a:effectRef>
+          <a:fontRef idx="minor">
+            <a:schemeClr val="lt1"/>
+          </a:fontRef>
+        </p:style>
+        <p:txBody>
+          <a:bodyPr rtlCol="0" anchor="ctr"/>
+          <a:lstStyle/>
+          <a:p>
+            <a:pPr algn="ctr"/>
+            <a:endParaRPr lang="ko-KR" altLang="en-US"/>
+          </a:p>
+        </p:txBody>
+      </p:sp>
+      <p:sp>
+        <p:nvSpPr>
+          <p:cNvPr id="18" name="화살표: 오른쪽 17">
+            <a:extLst>
+              <a:ext uri="{FF2B5EF4-FFF2-40B4-BE49-F238E27FC236}">
+                <a16:creationId xmlns:a16="http://schemas.microsoft.com/office/drawing/2014/main" id="{7C816B27-583D-6C16-3BB4-4509BE36C89B}"/>
+              </a:ext>
+            </a:extLst>
+          </p:cNvPr>
+          <p:cNvSpPr/>
+          <p:nvPr/>
+        </p:nvSpPr>
+        <p:spPr>
+          <a:xfrm>
+            <a:off x="5713749" y="3698046"/>
+            <a:ext cx="496618" cy="144016"/>
+          </a:xfrm>
+          <a:prstGeom prst="rightArrow">
+            <a:avLst/>
+          </a:prstGeom>
+        </p:spPr>
+        <p:style>
+          <a:lnRef idx="2">
+            <a:schemeClr val="accent1">
+              <a:shade val="15000"/>
+            </a:schemeClr>
+          </a:lnRef>
+          <a:fillRef idx="1">
+            <a:schemeClr val="accent1"/>
+          </a:fillRef>
+          <a:effectRef idx="0">
+            <a:schemeClr val="accent1"/>
+          </a:effectRef>
+          <a:fontRef idx="minor">
+            <a:schemeClr val="lt1"/>
+          </a:fontRef>
+        </p:style>
+        <p:txBody>
+          <a:bodyPr rtlCol="0" anchor="ctr"/>
+          <a:lstStyle/>
+          <a:p>
+            <a:pPr algn="ctr"/>
+            <a:endParaRPr lang="ko-KR" altLang="en-US"/>
+          </a:p>
+        </p:txBody>
+      </p:sp>
+      <p:sp>
+        <p:nvSpPr>
+          <p:cNvPr id="8" name="TextBox 7">
+            <a:extLst>
+              <a:ext uri="{FF2B5EF4-FFF2-40B4-BE49-F238E27FC236}">
+                <a16:creationId xmlns:a16="http://schemas.microsoft.com/office/drawing/2014/main" id="{7E4C6187-3AE9-BA3B-99B9-728E76465625}"/>
+              </a:ext>
+            </a:extLst>
+          </p:cNvPr>
+          <p:cNvSpPr txBox="1"/>
+          <p:nvPr/>
+        </p:nvSpPr>
+        <p:spPr>
+          <a:xfrm>
+            <a:off x="6292795" y="4782039"/>
+            <a:ext cx="2232248" cy="523220"/>
+          </a:xfrm>
+          <a:prstGeom prst="rect">
+            <a:avLst/>
+          </a:prstGeom>
+          <a:noFill/>
+        </p:spPr>
+        <p:txBody>
+          <a:bodyPr wrap="square" rtlCol="0">
+            <a:spAutoFit/>
+          </a:bodyPr>
+          <a:lstStyle/>
+          <a:p>
+            <a:r>
+              <a:rPr lang="en-US" altLang="ko-KR" sz="1400" dirty="0"/>
+              <a:t>Touch, slip, empty</a:t>
+            </a:r>
+            <a:r>
+              <a:rPr lang="ko-KR" altLang="en-US" sz="1400" dirty="0"/>
+              <a:t>에</a:t>
+            </a:r>
+            <a:r>
+              <a:rPr lang="en-US" altLang="ko-KR" sz="1400" dirty="0"/>
+              <a:t> </a:t>
+            </a:r>
+            <a:r>
+              <a:rPr lang="ko-KR" altLang="en-US" sz="1400" dirty="0"/>
+              <a:t>대한 판단 실행</a:t>
+            </a:r>
+          </a:p>
+        </p:txBody>
+      </p:sp>
+    </p:spTree>
+    <p:extLst>
+      <p:ext uri="{BB962C8B-B14F-4D97-AF65-F5344CB8AC3E}">
+        <p14:creationId xmlns:p14="http://schemas.microsoft.com/office/powerpoint/2010/main" val="2473492476"/>
+      </p:ext>
+    </p:extLst>
+  </p:cSld>
+  <p:clrMapOvr>
+    <a:masterClrMapping/>
+  </p:clrMapOvr>
+</p:sld>
+</file>
+
+<file path=ppt/slides/slide6.xml><?xml version="1.0" encoding="utf-8"?>
 <p:sld xmlns:a="http://schemas.openxmlformats.org/drawingml/2006/main" xmlns:r="http://schemas.openxmlformats.org/officeDocument/2006/relationships" xmlns:p="http://schemas.openxmlformats.org/presentationml/2006/main">
   <p:cSld>
     <p:spTree>
@@ -5403,8 +8541,8 @@
           </a:prstGeom>
         </p:spPr>
       </p:pic>
-      <mc:AlternateContent xmlns:mc="http://schemas.openxmlformats.org/markup-compatibility/2006">
-        <mc:Choice xmlns:a14="http://schemas.microsoft.com/office/drawing/2010/main" Requires="a14">
+      <mc:AlternateContent xmlns:mc="http://schemas.openxmlformats.org/markup-compatibility/2006" xmlns:a14="http://schemas.microsoft.com/office/drawing/2010/main">
+        <mc:Choice Requires="a14">
           <p:sp>
             <p:nvSpPr>
               <p:cNvPr id="27" name="TextBox 26">
@@ -5433,6 +8571,7 @@
               </a:bodyPr>
               <a:lstStyle/>
               <a:p>
+                <a:pPr/>
                 <a14:m>
                   <m:oMathPara xmlns:m="http://schemas.openxmlformats.org/officeDocument/2006/math">
                     <m:oMathParaPr>
@@ -5609,7 +8748,7 @@
             </p:txBody>
           </p:sp>
         </mc:Choice>
-        <mc:Fallback>
+        <mc:Fallback xmlns="">
           <p:sp>
             <p:nvSpPr>
               <p:cNvPr id="27" name="TextBox 26">
@@ -5712,8 +8851,8 @@
           </a:prstGeom>
         </p:spPr>
       </p:pic>
-      <mc:AlternateContent xmlns:mc="http://schemas.openxmlformats.org/markup-compatibility/2006">
-        <mc:Choice xmlns:a14="http://schemas.microsoft.com/office/drawing/2010/main" Requires="a14">
+      <mc:AlternateContent xmlns:mc="http://schemas.openxmlformats.org/markup-compatibility/2006" xmlns:a14="http://schemas.microsoft.com/office/drawing/2010/main">
+        <mc:Choice Requires="a14">
           <p:sp>
             <p:nvSpPr>
               <p:cNvPr id="30" name="TextBox 29">
@@ -5742,6 +8881,7 @@
               </a:bodyPr>
               <a:lstStyle/>
               <a:p>
+                <a:pPr/>
                 <a14:m>
                   <m:oMathPara xmlns:m="http://schemas.openxmlformats.org/officeDocument/2006/math">
                     <m:oMathParaPr>
@@ -5931,7 +9071,7 @@
             </p:txBody>
           </p:sp>
         </mc:Choice>
-        <mc:Fallback>
+        <mc:Fallback xmlns="">
           <p:sp>
             <p:nvSpPr>
               <p:cNvPr id="30" name="TextBox 29">
@@ -5989,7 +9129,7 @@
 </p:sld>
 </file>
 
-<file path=ppt/slides/slide5.xml><?xml version="1.0" encoding="utf-8"?>
+<file path=ppt/slides/slide7.xml><?xml version="1.0" encoding="utf-8"?>
 <p:sld xmlns:a="http://schemas.openxmlformats.org/drawingml/2006/main" xmlns:r="http://schemas.openxmlformats.org/officeDocument/2006/relationships" xmlns:p="http://schemas.openxmlformats.org/presentationml/2006/main">
   <p:cSld>
     <p:spTree>
@@ -6104,7 +9244,7 @@
         </p:nvGrpSpPr>
         <p:grpSpPr>
           <a:xfrm>
-            <a:off x="52276" y="2416535"/>
+            <a:off x="1447851" y="3645024"/>
             <a:ext cx="2754639" cy="2114550"/>
             <a:chOff x="799584" y="3628170"/>
             <a:chExt cx="2754639" cy="2114550"/>
@@ -6273,8 +9413,8 @@
             </a:fontRef>
           </p:style>
         </p:cxnSp>
-        <mc:AlternateContent xmlns:mc="http://schemas.openxmlformats.org/markup-compatibility/2006">
-          <mc:Choice xmlns:a14="http://schemas.microsoft.com/office/drawing/2010/main" Requires="a14">
+        <mc:AlternateContent xmlns:mc="http://schemas.openxmlformats.org/markup-compatibility/2006" xmlns:a14="http://schemas.microsoft.com/office/drawing/2010/main">
+          <mc:Choice Requires="a14">
             <p:sp>
               <p:nvSpPr>
                 <p:cNvPr id="20" name="TextBox 19">
@@ -6343,7 +9483,7 @@
               </p:txBody>
             </p:sp>
           </mc:Choice>
-          <mc:Fallback>
+          <mc:Fallback xmlns="">
             <p:sp>
               <p:nvSpPr>
                 <p:cNvPr id="20" name="TextBox 19">
@@ -6463,7 +9603,7 @@
         </p:blipFill>
         <p:spPr>
           <a:xfrm>
-            <a:off x="2563154" y="3447357"/>
+            <a:off x="4901877" y="3527757"/>
             <a:ext cx="3487617" cy="2592288"/>
           </a:xfrm>
           <a:prstGeom prst="rect">
@@ -6666,8 +9806,8 @@
             </p:nvSpPr>
             <p:spPr>
               <a:xfrm>
-                <a:off x="6176620" y="3573016"/>
-                <a:ext cx="3754874" cy="461665"/>
+                <a:off x="1447851" y="2665146"/>
+                <a:ext cx="6264696" cy="584775"/>
               </a:xfrm>
               <a:prstGeom prst="rect">
                 <a:avLst/>
@@ -6680,6 +9820,7 @@
               </a:bodyPr>
               <a:lstStyle/>
               <a:p>
+                <a:pPr/>
                 <a14:m>
                   <m:oMathPara xmlns:m="http://schemas.openxmlformats.org/officeDocument/2006/math">
                     <m:oMathParaPr>
@@ -6687,7 +9828,7 @@
                     </m:oMathParaPr>
                     <m:oMath xmlns:m="http://schemas.openxmlformats.org/officeDocument/2006/math">
                       <m:r>
-                        <a:rPr lang="en-US" altLang="ko-KR" sz="1200" b="1" i="1" smtClean="0">
+                        <a:rPr lang="en-US" altLang="ko-KR" sz="1600" b="1" i="1" smtClean="0">
                           <a:solidFill>
                             <a:srgbClr val="413787"/>
                           </a:solidFill>
@@ -6696,7 +9837,7 @@
                         <m:t>𝒊𝒇</m:t>
                       </m:r>
                       <m:r>
-                        <a:rPr lang="en-US" altLang="ko-KR" sz="1200" b="1" i="1" smtClean="0">
+                        <a:rPr lang="en-US" altLang="ko-KR" sz="1600" b="1" i="1" smtClean="0">
                           <a:solidFill>
                             <a:srgbClr val="413787"/>
                           </a:solidFill>
@@ -6705,7 +9846,7 @@
                         <m:t> </m:t>
                       </m:r>
                       <m:r>
-                        <a:rPr lang="en-US" altLang="ko-KR" sz="1200" b="1" i="1" smtClean="0">
+                        <a:rPr lang="en-US" altLang="ko-KR" sz="1600" b="1" i="1" smtClean="0">
                           <a:solidFill>
                             <a:srgbClr val="413787"/>
                           </a:solidFill>
@@ -6714,7 +9855,7 @@
                         <m:t>𝒂𝒍𝒍</m:t>
                       </m:r>
                       <m:r>
-                        <a:rPr lang="en-US" altLang="ko-KR" sz="1200" b="1" i="1" smtClean="0">
+                        <a:rPr lang="en-US" altLang="ko-KR" sz="1600" b="1" i="1" smtClean="0">
                           <a:solidFill>
                             <a:srgbClr val="413787"/>
                           </a:solidFill>
@@ -6723,7 +9864,7 @@
                         <m:t> </m:t>
                       </m:r>
                       <m:r>
-                        <a:rPr lang="en-US" altLang="ko-KR" sz="1200" b="1" i="1" smtClean="0">
+                        <a:rPr lang="en-US" altLang="ko-KR" sz="1600" b="1" i="1" smtClean="0">
                           <a:solidFill>
                             <a:srgbClr val="413787"/>
                           </a:solidFill>
@@ -6732,7 +9873,7 @@
                         <m:t>𝒋𝒐𝒊𝒏𝒕</m:t>
                       </m:r>
                       <m:r>
-                        <a:rPr lang="en-US" altLang="ko-KR" sz="1200" b="1" i="1" smtClean="0">
+                        <a:rPr lang="en-US" altLang="ko-KR" sz="1600" b="1" i="1" smtClean="0">
                           <a:solidFill>
                             <a:srgbClr val="413787"/>
                           </a:solidFill>
@@ -6741,7 +9882,7 @@
                         <m:t> </m:t>
                       </m:r>
                       <m:r>
-                        <a:rPr lang="en-US" altLang="ko-KR" sz="1200" b="1" i="1" smtClean="0">
+                        <a:rPr lang="en-US" altLang="ko-KR" sz="1600" b="1" i="1" smtClean="0">
                           <a:solidFill>
                             <a:srgbClr val="413787"/>
                           </a:solidFill>
@@ -6750,7 +9891,7 @@
                         <m:t>𝒄𝒖𝒓𝒓𝒆𝒏𝒕</m:t>
                       </m:r>
                       <m:r>
-                        <a:rPr lang="en-US" altLang="ko-KR" sz="1200" b="1" i="1" smtClean="0">
+                        <a:rPr lang="en-US" altLang="ko-KR" sz="1600" b="1" i="1" smtClean="0">
                           <a:solidFill>
                             <a:srgbClr val="413787"/>
                           </a:solidFill>
@@ -6759,7 +9900,7 @@
                         <m:t> </m:t>
                       </m:r>
                       <m:r>
-                        <a:rPr lang="en-US" altLang="ko-KR" sz="1200" b="1" i="1" smtClean="0">
+                        <a:rPr lang="en-US" altLang="ko-KR" sz="1600" b="1" i="1" smtClean="0">
                           <a:solidFill>
                             <a:srgbClr val="413787"/>
                           </a:solidFill>
@@ -6768,7 +9909,7 @@
                         <m:t>𝒇𝒍𝒂𝒈</m:t>
                       </m:r>
                       <m:r>
-                        <a:rPr lang="en-US" altLang="ko-KR" sz="1200" b="1" i="1" smtClean="0">
+                        <a:rPr lang="en-US" altLang="ko-KR" sz="1600" b="1" i="1" smtClean="0">
                           <a:solidFill>
                             <a:srgbClr val="413787"/>
                           </a:solidFill>
@@ -6777,7 +9918,7 @@
                         <m:t> &amp;&amp;  </m:t>
                       </m:r>
                       <m:r>
-                        <a:rPr lang="en-US" altLang="ko-KR" sz="1200" b="1" i="1" smtClean="0">
+                        <a:rPr lang="en-US" altLang="ko-KR" sz="1600" b="1" i="1" smtClean="0">
                           <a:solidFill>
                             <a:srgbClr val="413787"/>
                           </a:solidFill>
@@ -6786,7 +9927,7 @@
                         <m:t>𝑬𝑬</m:t>
                       </m:r>
                       <m:r>
-                        <a:rPr lang="en-US" altLang="ko-KR" sz="1200" b="1" i="1" smtClean="0">
+                        <a:rPr lang="en-US" altLang="ko-KR" sz="1600" b="1" i="1" smtClean="0">
                           <a:solidFill>
                             <a:srgbClr val="413787"/>
                           </a:solidFill>
@@ -6795,7 +9936,7 @@
                         <m:t> </m:t>
                       </m:r>
                       <m:r>
-                        <a:rPr lang="en-US" altLang="ko-KR" sz="1200" b="1" i="1" smtClean="0">
+                        <a:rPr lang="en-US" altLang="ko-KR" sz="1600" b="1" i="1" smtClean="0">
                           <a:solidFill>
                             <a:srgbClr val="413787"/>
                           </a:solidFill>
@@ -6804,7 +9945,7 @@
                         <m:t>𝒙</m:t>
                       </m:r>
                       <m:r>
-                        <a:rPr lang="en-US" altLang="ko-KR" sz="1200" b="1" i="1" smtClean="0">
+                        <a:rPr lang="en-US" altLang="ko-KR" sz="1600" b="1" i="1" smtClean="0">
                           <a:solidFill>
                             <a:srgbClr val="413787"/>
                           </a:solidFill>
@@ -6813,7 +9954,7 @@
                         <m:t> </m:t>
                       </m:r>
                       <m:r>
-                        <a:rPr lang="en-US" altLang="ko-KR" sz="1200" b="1" i="1" smtClean="0">
+                        <a:rPr lang="en-US" altLang="ko-KR" sz="1600" b="1" i="1" smtClean="0">
                           <a:solidFill>
                             <a:srgbClr val="413787"/>
                           </a:solidFill>
@@ -6822,7 +9963,7 @@
                         <m:t>𝒑𝒐𝒔𝒊𝒕𝒊𝒐𝒏</m:t>
                       </m:r>
                       <m:r>
-                        <a:rPr lang="en-US" altLang="ko-KR" sz="1200" b="1" i="1" smtClean="0">
+                        <a:rPr lang="en-US" altLang="ko-KR" sz="1600" b="1" i="1" smtClean="0">
                           <a:solidFill>
                             <a:srgbClr val="413787"/>
                           </a:solidFill>
@@ -6831,7 +9972,7 @@
                         <m:t>&lt;</m:t>
                       </m:r>
                       <m:r>
-                        <a:rPr lang="en-US" altLang="ko-KR" sz="1200" b="1" i="1" smtClean="0">
+                        <a:rPr lang="en-US" altLang="ko-KR" sz="1600" b="1" i="1" smtClean="0">
                           <a:solidFill>
                             <a:srgbClr val="413787"/>
                           </a:solidFill>
@@ -6840,7 +9981,7 @@
                         <m:t>𝟐𝟔</m:t>
                       </m:r>
                       <m:r>
-                        <a:rPr lang="en-US" altLang="ko-KR" sz="1200" b="1" i="1" smtClean="0">
+                        <a:rPr lang="en-US" altLang="ko-KR" sz="1600" b="1" i="1" smtClean="0">
                           <a:solidFill>
                             <a:srgbClr val="413787"/>
                           </a:solidFill>
@@ -6851,7 +9992,7 @@
                     </m:oMath>
                   </m:oMathPara>
                 </a14:m>
-                <a:endParaRPr lang="en-US" altLang="ko-KR" sz="1200" b="1" i="1" dirty="0">
+                <a:endParaRPr lang="en-US" altLang="ko-KR" sz="1600" b="1" i="1" dirty="0">
                   <a:solidFill>
                     <a:srgbClr val="413787"/>
                   </a:solidFill>
@@ -6859,6 +10000,7 @@
                 </a:endParaRPr>
               </a:p>
               <a:p>
+                <a:pPr/>
                 <a14:m>
                   <m:oMathPara xmlns:m="http://schemas.openxmlformats.org/officeDocument/2006/math">
                     <m:oMathParaPr>
@@ -6866,7 +10008,7 @@
                     </m:oMathParaPr>
                     <m:oMath xmlns:m="http://schemas.openxmlformats.org/officeDocument/2006/math">
                       <m:r>
-                        <a:rPr lang="en-US" altLang="ko-KR" sz="1200" b="1" i="1" smtClean="0">
+                        <a:rPr lang="en-US" altLang="ko-KR" sz="1600" b="1" i="1" smtClean="0">
                           <a:solidFill>
                             <a:srgbClr val="413787"/>
                           </a:solidFill>
@@ -6875,7 +10017,7 @@
                         <m:t>𝒕𝒉𝒆𝒏</m:t>
                       </m:r>
                       <m:r>
-                        <a:rPr lang="en-US" altLang="ko-KR" sz="1200" b="1" i="1" smtClean="0">
+                        <a:rPr lang="en-US" altLang="ko-KR" sz="1600" b="1" i="1" smtClean="0">
                           <a:solidFill>
                             <a:srgbClr val="413787"/>
                           </a:solidFill>
@@ -6884,7 +10026,7 @@
                         <m:t> </m:t>
                       </m:r>
                       <m:r>
-                        <a:rPr lang="en-US" altLang="ko-KR" sz="1200" b="1" i="1" smtClean="0">
+                        <a:rPr lang="en-US" altLang="ko-KR" sz="1600" b="1" i="1" smtClean="0">
                           <a:solidFill>
                             <a:srgbClr val="413787"/>
                           </a:solidFill>
@@ -6893,7 +10035,7 @@
                         <m:t>𝒆𝒎𝒑𝒕𝒚</m:t>
                       </m:r>
                       <m:r>
-                        <a:rPr lang="en-US" altLang="ko-KR" sz="1200" b="1" i="1" smtClean="0">
+                        <a:rPr lang="en-US" altLang="ko-KR" sz="1600" b="1" i="1" smtClean="0">
                           <a:solidFill>
                             <a:srgbClr val="413787"/>
                           </a:solidFill>
@@ -6902,7 +10044,7 @@
                         <m:t> </m:t>
                       </m:r>
                       <m:r>
-                        <a:rPr lang="en-US" altLang="ko-KR" sz="1200" b="1" i="1" smtClean="0">
+                        <a:rPr lang="en-US" altLang="ko-KR" sz="1600" b="1" i="1" smtClean="0">
                           <a:solidFill>
                             <a:srgbClr val="413787"/>
                           </a:solidFill>
@@ -6911,7 +10053,7 @@
                         <m:t>𝒇𝒍𝒂𝒈</m:t>
                       </m:r>
                       <m:r>
-                        <a:rPr lang="en-US" altLang="ko-KR" sz="1200" b="1" i="1" smtClean="0">
+                        <a:rPr lang="en-US" altLang="ko-KR" sz="1600" b="1" i="1" smtClean="0">
                           <a:solidFill>
                             <a:srgbClr val="413787"/>
                           </a:solidFill>
@@ -6920,7 +10062,7 @@
                         <m:t>==</m:t>
                       </m:r>
                       <m:r>
-                        <a:rPr lang="en-US" altLang="ko-KR" sz="1200" b="1" i="1" smtClean="0">
+                        <a:rPr lang="en-US" altLang="ko-KR" sz="1600" b="1" i="1" smtClean="0">
                           <a:solidFill>
                             <a:srgbClr val="413787"/>
                           </a:solidFill>
@@ -6931,7 +10073,7 @@
                     </m:oMath>
                   </m:oMathPara>
                 </a14:m>
-                <a:endParaRPr lang="ko-KR" altLang="en-US" sz="1200" b="1" dirty="0">
+                <a:endParaRPr lang="ko-KR" altLang="en-US" sz="1600" b="1" dirty="0">
                   <a:solidFill>
                     <a:srgbClr val="413787"/>
                   </a:solidFill>
@@ -6957,8 +10099,8 @@
             </p:nvSpPr>
             <p:spPr>
               <a:xfrm>
-                <a:off x="6176620" y="3573016"/>
-                <a:ext cx="3754874" cy="461665"/>
+                <a:off x="1447851" y="2665146"/>
+                <a:ext cx="6264696" cy="584775"/>
               </a:xfrm>
               <a:prstGeom prst="rect">
                 <a:avLst/>
@@ -6966,7 +10108,7 @@
               <a:blipFill>
                 <a:blip r:embed="rId7"/>
                 <a:stretch>
-                  <a:fillRect b="-2632"/>
+                  <a:fillRect b="-6250"/>
                 </a:stretch>
               </a:blipFill>
             </p:spPr>
@@ -6998,7 +10140,7 @@
 </p:sld>
 </file>
 
-<file path=ppt/slides/slide6.xml><?xml version="1.0" encoding="utf-8"?>
+<file path=ppt/slides/slide8.xml><?xml version="1.0" encoding="utf-8"?>
 <p:sld xmlns:a="http://schemas.openxmlformats.org/drawingml/2006/main" xmlns:r="http://schemas.openxmlformats.org/officeDocument/2006/relationships" xmlns:p="http://schemas.openxmlformats.org/presentationml/2006/main">
   <p:cSld>
     <p:spTree>
@@ -7043,7 +10185,7 @@
         </p:blipFill>
         <p:spPr>
           <a:xfrm rot="21018748">
-            <a:off x="4676" y="2247143"/>
+            <a:off x="1386644" y="3346660"/>
             <a:ext cx="2694608" cy="2948966"/>
           </a:xfrm>
           <a:prstGeom prst="rect">
@@ -7151,7 +10293,7 @@
         </p:blipFill>
         <p:spPr>
           <a:xfrm>
-            <a:off x="2537928" y="3248818"/>
+            <a:off x="5077909" y="3833593"/>
             <a:ext cx="3161783" cy="2235832"/>
           </a:xfrm>
           <a:prstGeom prst="rect">
@@ -7354,8 +10496,8 @@
             </p:nvSpPr>
             <p:spPr>
               <a:xfrm>
-                <a:off x="5595843" y="3293507"/>
-                <a:ext cx="3754874" cy="461665"/>
+                <a:off x="118006" y="2484185"/>
+                <a:ext cx="3754874" cy="584775"/>
               </a:xfrm>
               <a:prstGeom prst="rect">
                 <a:avLst/>
@@ -7368,6 +10510,7 @@
               </a:bodyPr>
               <a:lstStyle/>
               <a:p>
+                <a:pPr/>
                 <a14:m>
                   <m:oMathPara xmlns:m="http://schemas.openxmlformats.org/officeDocument/2006/math">
                     <m:oMathParaPr>
@@ -7375,7 +10518,7 @@
                     </m:oMathParaPr>
                     <m:oMath xmlns:m="http://schemas.openxmlformats.org/officeDocument/2006/math">
                       <m:r>
-                        <a:rPr lang="en-US" altLang="ko-KR" sz="1200" b="1" i="1" smtClean="0">
+                        <a:rPr lang="en-US" altLang="ko-KR" sz="1600" b="1" i="1" smtClean="0">
                           <a:solidFill>
                             <a:srgbClr val="413787"/>
                           </a:solidFill>
@@ -7384,7 +10527,7 @@
                         <m:t>𝒊𝒇</m:t>
                       </m:r>
                       <m:r>
-                        <a:rPr lang="en-US" altLang="ko-KR" sz="1200" b="1" i="1" smtClean="0">
+                        <a:rPr lang="en-US" altLang="ko-KR" sz="1600" b="1" i="1" smtClean="0">
                           <a:solidFill>
                             <a:srgbClr val="413787"/>
                           </a:solidFill>
@@ -7393,7 +10536,7 @@
                         <m:t> </m:t>
                       </m:r>
                       <m:r>
-                        <a:rPr lang="en-US" altLang="ko-KR" sz="1200" b="1" i="1" smtClean="0">
+                        <a:rPr lang="en-US" altLang="ko-KR" sz="1600" b="1" i="1" smtClean="0">
                           <a:solidFill>
                             <a:srgbClr val="413787"/>
                           </a:solidFill>
@@ -7402,7 +10545,7 @@
                         <m:t>𝒂𝒏𝒚</m:t>
                       </m:r>
                       <m:r>
-                        <a:rPr lang="en-US" altLang="ko-KR" sz="1200" b="1" i="1" smtClean="0">
+                        <a:rPr lang="en-US" altLang="ko-KR" sz="1600" b="1" i="1" smtClean="0">
                           <a:solidFill>
                             <a:srgbClr val="413787"/>
                           </a:solidFill>
@@ -7411,7 +10554,7 @@
                         <m:t> </m:t>
                       </m:r>
                       <m:r>
-                        <a:rPr lang="en-US" altLang="ko-KR" sz="1200" b="1" i="1" smtClean="0">
+                        <a:rPr lang="en-US" altLang="ko-KR" sz="1600" b="1" i="1" smtClean="0">
                           <a:solidFill>
                             <a:srgbClr val="413787"/>
                           </a:solidFill>
@@ -7420,7 +10563,7 @@
                         <m:t>𝒋𝒐𝒊𝒏𝒕</m:t>
                       </m:r>
                       <m:r>
-                        <a:rPr lang="en-US" altLang="ko-KR" sz="1200" b="1" i="1" smtClean="0">
+                        <a:rPr lang="en-US" altLang="ko-KR" sz="1600" b="1" i="1" smtClean="0">
                           <a:solidFill>
                             <a:srgbClr val="413787"/>
                           </a:solidFill>
@@ -7429,7 +10572,7 @@
                         <m:t> </m:t>
                       </m:r>
                       <m:r>
-                        <a:rPr lang="en-US" altLang="ko-KR" sz="1200" b="1" i="1" smtClean="0">
+                        <a:rPr lang="en-US" altLang="ko-KR" sz="1600" b="1" i="1" smtClean="0">
                           <a:solidFill>
                             <a:srgbClr val="413787"/>
                           </a:solidFill>
@@ -7438,7 +10581,7 @@
                         <m:t>𝒄𝒖𝒓𝒓𝒆𝒏𝒕</m:t>
                       </m:r>
                       <m:r>
-                        <a:rPr lang="en-US" altLang="ko-KR" sz="1200" b="1" i="1" smtClean="0">
+                        <a:rPr lang="en-US" altLang="ko-KR" sz="1600" b="1" i="1" smtClean="0">
                           <a:solidFill>
                             <a:srgbClr val="413787"/>
                           </a:solidFill>
@@ -7447,7 +10590,7 @@
                         <m:t> </m:t>
                       </m:r>
                       <m:r>
-                        <a:rPr lang="en-US" altLang="ko-KR" sz="1200" b="1" i="1" smtClean="0">
+                        <a:rPr lang="en-US" altLang="ko-KR" sz="1600" b="1" i="1" smtClean="0">
                           <a:solidFill>
                             <a:srgbClr val="413787"/>
                           </a:solidFill>
@@ -7456,7 +10599,7 @@
                         <m:t>𝒇𝒍𝒂𝒈</m:t>
                       </m:r>
                       <m:r>
-                        <a:rPr lang="en-US" altLang="ko-KR" sz="1200" b="1" i="1" smtClean="0">
+                        <a:rPr lang="en-US" altLang="ko-KR" sz="1600" b="1" i="1" smtClean="0">
                           <a:solidFill>
                             <a:srgbClr val="413787"/>
                           </a:solidFill>
@@ -7465,7 +10608,7 @@
                         <m:t>==</m:t>
                       </m:r>
                       <m:r>
-                        <a:rPr lang="en-US" altLang="ko-KR" sz="1200" b="1" i="1" smtClean="0">
+                        <a:rPr lang="en-US" altLang="ko-KR" sz="1600" b="1" i="1" smtClean="0">
                           <a:solidFill>
                             <a:srgbClr val="413787"/>
                           </a:solidFill>
@@ -7476,7 +10619,7 @@
                     </m:oMath>
                   </m:oMathPara>
                 </a14:m>
-                <a:endParaRPr lang="en-US" altLang="ko-KR" sz="1200" b="1" i="1" dirty="0">
+                <a:endParaRPr lang="en-US" altLang="ko-KR" sz="1600" b="1" i="1" dirty="0">
                   <a:solidFill>
                     <a:srgbClr val="413787"/>
                   </a:solidFill>
@@ -7484,6 +10627,7 @@
                 </a:endParaRPr>
               </a:p>
               <a:p>
+                <a:pPr/>
                 <a14:m>
                   <m:oMathPara xmlns:m="http://schemas.openxmlformats.org/officeDocument/2006/math">
                     <m:oMathParaPr>
@@ -7491,7 +10635,7 @@
                     </m:oMathParaPr>
                     <m:oMath xmlns:m="http://schemas.openxmlformats.org/officeDocument/2006/math">
                       <m:r>
-                        <a:rPr lang="en-US" altLang="ko-KR" sz="1200" b="1" i="1" smtClean="0">
+                        <a:rPr lang="en-US" altLang="ko-KR" sz="1600" b="1" i="1" smtClean="0">
                           <a:solidFill>
                             <a:srgbClr val="413787"/>
                           </a:solidFill>
@@ -7500,7 +10644,7 @@
                         <m:t>𝒕𝒉𝒆𝒏</m:t>
                       </m:r>
                       <m:r>
-                        <a:rPr lang="en-US" altLang="ko-KR" sz="1200" b="1" i="1" smtClean="0">
+                        <a:rPr lang="en-US" altLang="ko-KR" sz="1600" b="1" i="1" smtClean="0">
                           <a:solidFill>
                             <a:srgbClr val="413787"/>
                           </a:solidFill>
@@ -7509,7 +10653,7 @@
                         <m:t> </m:t>
                       </m:r>
                       <m:r>
-                        <a:rPr lang="en-US" altLang="ko-KR" sz="1200" b="1" i="1" smtClean="0">
+                        <a:rPr lang="en-US" altLang="ko-KR" sz="1600" b="1" i="1" smtClean="0">
                           <a:solidFill>
                             <a:srgbClr val="413787"/>
                           </a:solidFill>
@@ -7518,7 +10662,7 @@
                         <m:t>𝒐𝒗𝒆𝒓𝒍𝒐𝒂𝒅</m:t>
                       </m:r>
                       <m:r>
-                        <a:rPr lang="en-US" altLang="ko-KR" sz="1200" b="1" i="1" smtClean="0">
+                        <a:rPr lang="en-US" altLang="ko-KR" sz="1600" b="1" i="1" smtClean="0">
                           <a:solidFill>
                             <a:srgbClr val="413787"/>
                           </a:solidFill>
@@ -7527,7 +10671,7 @@
                         <m:t> </m:t>
                       </m:r>
                       <m:r>
-                        <a:rPr lang="en-US" altLang="ko-KR" sz="1200" b="1" i="1" smtClean="0">
+                        <a:rPr lang="en-US" altLang="ko-KR" sz="1600" b="1" i="1" smtClean="0">
                           <a:solidFill>
                             <a:srgbClr val="413787"/>
                           </a:solidFill>
@@ -7536,7 +10680,7 @@
                         <m:t>𝒇𝒍𝒂𝒈</m:t>
                       </m:r>
                       <m:r>
-                        <a:rPr lang="en-US" altLang="ko-KR" sz="1200" b="1" i="1" smtClean="0">
+                        <a:rPr lang="en-US" altLang="ko-KR" sz="1600" b="1" i="1" smtClean="0">
                           <a:solidFill>
                             <a:srgbClr val="413787"/>
                           </a:solidFill>
@@ -7545,7 +10689,7 @@
                         <m:t>==</m:t>
                       </m:r>
                       <m:r>
-                        <a:rPr lang="en-US" altLang="ko-KR" sz="1200" b="1" i="1" smtClean="0">
+                        <a:rPr lang="en-US" altLang="ko-KR" sz="1600" b="1" i="1" smtClean="0">
                           <a:solidFill>
                             <a:srgbClr val="413787"/>
                           </a:solidFill>
@@ -7556,7 +10700,7 @@
                     </m:oMath>
                   </m:oMathPara>
                 </a14:m>
-                <a:endParaRPr lang="ko-KR" altLang="en-US" sz="1200" b="1" dirty="0">
+                <a:endParaRPr lang="ko-KR" altLang="en-US" sz="1600" b="1" dirty="0">
                   <a:solidFill>
                     <a:srgbClr val="413787"/>
                   </a:solidFill>
@@ -7582,8 +10726,8 @@
             </p:nvSpPr>
             <p:spPr>
               <a:xfrm>
-                <a:off x="5595843" y="3293507"/>
-                <a:ext cx="3754874" cy="461665"/>
+                <a:off x="118006" y="2484185"/>
+                <a:ext cx="3754874" cy="584775"/>
               </a:xfrm>
               <a:prstGeom prst="rect">
                 <a:avLst/>
@@ -7591,7 +10735,7 @@
               <a:blipFill>
                 <a:blip r:embed="rId6"/>
                 <a:stretch>
-                  <a:fillRect b="-2632"/>
+                  <a:fillRect b="-6316"/>
                 </a:stretch>
               </a:blipFill>
             </p:spPr>
@@ -7623,7 +10767,7 @@
 </p:sld>
 </file>
 
-<file path=ppt/slides/slide7.xml><?xml version="1.0" encoding="utf-8"?>
+<file path=ppt/slides/slide9.xml><?xml version="1.0" encoding="utf-8"?>
 <p:sld xmlns:a="http://schemas.openxmlformats.org/drawingml/2006/main" xmlns:r="http://schemas.openxmlformats.org/officeDocument/2006/relationships" xmlns:p="http://schemas.openxmlformats.org/presentationml/2006/main">
   <p:cSld>
     <p:spTree>
@@ -7762,8 +10906,8 @@
           </a:prstGeom>
         </p:spPr>
       </p:pic>
-      <mc:AlternateContent xmlns:mc="http://schemas.openxmlformats.org/markup-compatibility/2006">
-        <mc:Choice xmlns:a14="http://schemas.microsoft.com/office/drawing/2010/main" Requires="a14">
+      <mc:AlternateContent xmlns:mc="http://schemas.openxmlformats.org/markup-compatibility/2006" xmlns:a14="http://schemas.microsoft.com/office/drawing/2010/main">
+        <mc:Choice Requires="a14">
           <p:sp>
             <p:nvSpPr>
               <p:cNvPr id="9" name="TextBox 8">
@@ -7792,6 +10936,7 @@
               </a:bodyPr>
               <a:lstStyle/>
               <a:p>
+                <a:pPr/>
                 <a14:m>
                   <m:oMathPara xmlns:m="http://schemas.openxmlformats.org/officeDocument/2006/math">
                     <m:oMathParaPr>
@@ -7830,7 +10975,7 @@
             </p:txBody>
           </p:sp>
         </mc:Choice>
-        <mc:Fallback>
+        <mc:Fallback xmlns="">
           <p:sp>
             <p:nvSpPr>
               <p:cNvPr id="9" name="TextBox 8">
@@ -7875,8 +11020,8 @@
           </p:sp>
         </mc:Fallback>
       </mc:AlternateContent>
-      <mc:AlternateContent xmlns:mc="http://schemas.openxmlformats.org/markup-compatibility/2006">
-        <mc:Choice xmlns:a14="http://schemas.microsoft.com/office/drawing/2010/main" Requires="a14">
+      <mc:AlternateContent xmlns:mc="http://schemas.openxmlformats.org/markup-compatibility/2006" xmlns:a14="http://schemas.microsoft.com/office/drawing/2010/main">
+        <mc:Choice Requires="a14">
           <p:sp>
             <p:nvSpPr>
               <p:cNvPr id="11" name="TextBox 10">
@@ -7905,6 +11050,7 @@
               </a:bodyPr>
               <a:lstStyle/>
               <a:p>
+                <a:pPr/>
                 <a14:m>
                   <m:oMathPara xmlns:m="http://schemas.openxmlformats.org/officeDocument/2006/math">
                     <m:oMathParaPr>
@@ -7968,7 +11114,7 @@
             </p:txBody>
           </p:sp>
         </mc:Choice>
-        <mc:Fallback>
+        <mc:Fallback xmlns="">
           <p:sp>
             <p:nvSpPr>
               <p:cNvPr id="11" name="TextBox 10">
@@ -8013,8 +11159,8 @@
           </p:sp>
         </mc:Fallback>
       </mc:AlternateContent>
-      <mc:AlternateContent xmlns:mc="http://schemas.openxmlformats.org/markup-compatibility/2006">
-        <mc:Choice xmlns:a14="http://schemas.microsoft.com/office/drawing/2010/main" Requires="a14">
+      <mc:AlternateContent xmlns:mc="http://schemas.openxmlformats.org/markup-compatibility/2006" xmlns:a14="http://schemas.microsoft.com/office/drawing/2010/main">
+        <mc:Choice Requires="a14">
           <p:sp>
             <p:nvSpPr>
               <p:cNvPr id="12" name="TextBox 11">
@@ -8043,6 +11189,7 @@
               </a:bodyPr>
               <a:lstStyle/>
               <a:p>
+                <a:pPr/>
                 <a14:m>
                   <m:oMathPara xmlns:m="http://schemas.openxmlformats.org/officeDocument/2006/math">
                     <m:oMathParaPr>
@@ -8099,7 +11246,7 @@
             </p:txBody>
           </p:sp>
         </mc:Choice>
-        <mc:Fallback>
+        <mc:Fallback xmlns="">
           <p:sp>
             <p:nvSpPr>
               <p:cNvPr id="12" name="TextBox 11">
@@ -8148,735 +11295,6 @@
     <p:extLst>
       <p:ext uri="{BB962C8B-B14F-4D97-AF65-F5344CB8AC3E}">
         <p14:creationId xmlns:p14="http://schemas.microsoft.com/office/powerpoint/2010/main" val="4078559979"/>
-      </p:ext>
-    </p:extLst>
-  </p:cSld>
-  <p:clrMapOvr>
-    <a:masterClrMapping/>
-  </p:clrMapOvr>
-  <p:timing>
-    <p:tnLst>
-      <p:par>
-        <p:cTn id="1" dur="indefinite" restart="never" nodeType="tmRoot">
-          <p:childTnLst>
-            <p:seq concurrent="1" nextAc="seek">
-              <p:cTn id="2" dur="indefinite" nodeType="mainSeq">
-                <p:childTnLst>
-                  <p:par>
-                    <p:cTn id="3" fill="hold">
-                      <p:stCondLst>
-                        <p:cond delay="indefinite"/>
-                      </p:stCondLst>
-                      <p:childTnLst>
-                        <p:par>
-                          <p:cTn id="4" fill="hold">
-                            <p:stCondLst>
-                              <p:cond delay="0"/>
-                            </p:stCondLst>
-                            <p:childTnLst>
-                              <p:par>
-                                <p:cTn id="5" presetID="1" presetClass="mediacall" presetSubtype="0" fill="hold" nodeType="clickEffect">
-                                  <p:stCondLst>
-                                    <p:cond delay="0"/>
-                                  </p:stCondLst>
-                                  <p:childTnLst>
-                                    <p:cmd type="call" cmd="playFrom(0.0)">
-                                      <p:cBhvr>
-                                        <p:cTn id="6" dur="9041" fill="hold"/>
-                                        <p:tgtEl>
-                                          <p:spTgt spid="6"/>
-                                        </p:tgtEl>
-                                      </p:cBhvr>
-                                    </p:cmd>
-                                  </p:childTnLst>
-                                </p:cTn>
-                              </p:par>
-                            </p:childTnLst>
-                          </p:cTn>
-                        </p:par>
-                      </p:childTnLst>
-                    </p:cTn>
-                  </p:par>
-                </p:childTnLst>
-              </p:cTn>
-              <p:prevCondLst>
-                <p:cond evt="onPrev" delay="0">
-                  <p:tgtEl>
-                    <p:sldTgt/>
-                  </p:tgtEl>
-                </p:cond>
-              </p:prevCondLst>
-              <p:nextCondLst>
-                <p:cond evt="onNext" delay="0">
-                  <p:tgtEl>
-                    <p:sldTgt/>
-                  </p:tgtEl>
-                </p:cond>
-              </p:nextCondLst>
-            </p:seq>
-            <p:video>
-              <p:cMediaNode vol="80000">
-                <p:cTn id="7" fill="hold" display="0">
-                  <p:stCondLst>
-                    <p:cond delay="indefinite"/>
-                  </p:stCondLst>
-                </p:cTn>
-                <p:tgtEl>
-                  <p:spTgt spid="6"/>
-                </p:tgtEl>
-              </p:cMediaNode>
-            </p:video>
-            <p:seq concurrent="1" nextAc="seek">
-              <p:cTn id="8" restart="whenNotActive" fill="hold" evtFilter="cancelBubble" nodeType="interactiveSeq">
-                <p:stCondLst>
-                  <p:cond evt="onClick" delay="0">
-                    <p:tgtEl>
-                      <p:spTgt spid="6"/>
-                    </p:tgtEl>
-                  </p:cond>
-                </p:stCondLst>
-                <p:endSync evt="end" delay="0">
-                  <p:rtn val="all"/>
-                </p:endSync>
-                <p:childTnLst>
-                  <p:par>
-                    <p:cTn id="9" fill="hold">
-                      <p:stCondLst>
-                        <p:cond delay="0"/>
-                      </p:stCondLst>
-                      <p:childTnLst>
-                        <p:par>
-                          <p:cTn id="10" fill="hold">
-                            <p:stCondLst>
-                              <p:cond delay="0"/>
-                            </p:stCondLst>
-                            <p:childTnLst>
-                              <p:par>
-                                <p:cTn id="11" presetID="2" presetClass="mediacall" presetSubtype="0" fill="hold" nodeType="clickEffect">
-                                  <p:stCondLst>
-                                    <p:cond delay="0"/>
-                                  </p:stCondLst>
-                                  <p:childTnLst>
-                                    <p:cmd type="call" cmd="togglePause">
-                                      <p:cBhvr>
-                                        <p:cTn id="12" dur="1" fill="hold"/>
-                                        <p:tgtEl>
-                                          <p:spTgt spid="6"/>
-                                        </p:tgtEl>
-                                      </p:cBhvr>
-                                    </p:cmd>
-                                  </p:childTnLst>
-                                </p:cTn>
-                              </p:par>
-                            </p:childTnLst>
-                          </p:cTn>
-                        </p:par>
-                      </p:childTnLst>
-                    </p:cTn>
-                  </p:par>
-                </p:childTnLst>
-              </p:cTn>
-              <p:nextCondLst>
-                <p:cond evt="onClick" delay="0">
-                  <p:tgtEl>
-                    <p:spTgt spid="6"/>
-                  </p:tgtEl>
-                </p:cond>
-              </p:nextCondLst>
-            </p:seq>
-          </p:childTnLst>
-        </p:cTn>
-      </p:par>
-    </p:tnLst>
-  </p:timing>
-</p:sld>
-</file>
-
-<file path=ppt/slides/slide8.xml><?xml version="1.0" encoding="utf-8"?>
-<p:sld xmlns:a="http://schemas.openxmlformats.org/drawingml/2006/main" xmlns:r="http://schemas.openxmlformats.org/officeDocument/2006/relationships" xmlns:p="http://schemas.openxmlformats.org/presentationml/2006/main">
-  <p:cSld>
-    <p:spTree>
-      <p:nvGrpSpPr>
-        <p:cNvPr id="1" name="">
-          <a:extLst>
-            <a:ext uri="{FF2B5EF4-FFF2-40B4-BE49-F238E27FC236}">
-              <a16:creationId xmlns:a16="http://schemas.microsoft.com/office/drawing/2014/main" id="{AD90C49C-1BB2-4C79-900A-18F029904099}"/>
-            </a:ext>
-          </a:extLst>
-        </p:cNvPr>
-        <p:cNvGrpSpPr/>
-        <p:nvPr/>
-      </p:nvGrpSpPr>
-      <p:grpSpPr>
-        <a:xfrm>
-          <a:off x="0" y="0"/>
-          <a:ext cx="0" cy="0"/>
-          <a:chOff x="0" y="0"/>
-          <a:chExt cx="0" cy="0"/>
-        </a:xfrm>
-      </p:grpSpPr>
-      <p:sp>
-        <p:nvSpPr>
-          <p:cNvPr id="2" name="TextBox 1">
-            <a:extLst>
-              <a:ext uri="{FF2B5EF4-FFF2-40B4-BE49-F238E27FC236}">
-                <a16:creationId xmlns:a16="http://schemas.microsoft.com/office/drawing/2014/main" id="{EE8E295A-0122-3AB8-8D28-4BC95B40FD76}"/>
-              </a:ext>
-            </a:extLst>
-          </p:cNvPr>
-          <p:cNvSpPr txBox="1"/>
-          <p:nvPr/>
-        </p:nvSpPr>
-        <p:spPr>
-          <a:xfrm>
-            <a:off x="106073" y="188640"/>
-            <a:ext cx="6552728" cy="523220"/>
-          </a:xfrm>
-          <a:prstGeom prst="rect">
-            <a:avLst/>
-          </a:prstGeom>
-          <a:noFill/>
-        </p:spPr>
-        <p:txBody>
-          <a:bodyPr wrap="square" rtlCol="0">
-            <a:spAutoFit/>
-          </a:bodyPr>
-          <a:lstStyle/>
-          <a:p>
-            <a:r>
-              <a:rPr lang="en-US" altLang="ko-KR" sz="2800" b="1" dirty="0">
-                <a:solidFill>
-                  <a:srgbClr val="413787"/>
-                </a:solidFill>
-              </a:rPr>
-              <a:t>Simulation/verify of predicates</a:t>
-            </a:r>
-          </a:p>
-        </p:txBody>
-      </p:sp>
-      <p:sp>
-        <p:nvSpPr>
-          <p:cNvPr id="3" name="TextBox 2">
-            <a:extLst>
-              <a:ext uri="{FF2B5EF4-FFF2-40B4-BE49-F238E27FC236}">
-                <a16:creationId xmlns:a16="http://schemas.microsoft.com/office/drawing/2014/main" id="{0F6006D5-ACE2-1A28-5374-FF5AAFC6DC37}"/>
-              </a:ext>
-            </a:extLst>
-          </p:cNvPr>
-          <p:cNvSpPr txBox="1"/>
-          <p:nvPr/>
-        </p:nvSpPr>
-        <p:spPr>
-          <a:xfrm>
-            <a:off x="488504" y="980728"/>
-            <a:ext cx="2664296" cy="400110"/>
-          </a:xfrm>
-          <a:prstGeom prst="rect">
-            <a:avLst/>
-          </a:prstGeom>
-          <a:noFill/>
-        </p:spPr>
-        <p:txBody>
-          <a:bodyPr wrap="square" rtlCol="0">
-            <a:spAutoFit/>
-          </a:bodyPr>
-          <a:lstStyle/>
-          <a:p>
-            <a:r>
-              <a:rPr lang="en-US" altLang="ko-KR" sz="2000" b="1" dirty="0">
-                <a:solidFill>
-                  <a:srgbClr val="413787"/>
-                </a:solidFill>
-              </a:rPr>
-              <a:t>Slip</a:t>
-            </a:r>
-          </a:p>
-        </p:txBody>
-      </p:sp>
-      <p:pic>
-        <p:nvPicPr>
-          <p:cNvPr id="6" name="slip">
-            <a:hlinkClick r:id="" action="ppaction://media"/>
-            <a:extLst>
-              <a:ext uri="{FF2B5EF4-FFF2-40B4-BE49-F238E27FC236}">
-                <a16:creationId xmlns:a16="http://schemas.microsoft.com/office/drawing/2014/main" id="{329A9B73-A7FC-FC0D-BAA4-7D7208292624}"/>
-              </a:ext>
-            </a:extLst>
-          </p:cNvPr>
-          <p:cNvPicPr>
-            <a:picLocks noChangeAspect="1"/>
-          </p:cNvPicPr>
-          <p:nvPr>
-            <a:videoFile r:link="rId2"/>
-            <p:extLst>
-              <p:ext uri="{DAA4B4D4-6D71-4841-9C94-3DE7FCFB9230}">
-                <p14:media xmlns:p14="http://schemas.microsoft.com/office/powerpoint/2010/main" r:embed="rId1"/>
-              </p:ext>
-            </p:extLst>
-          </p:nvPr>
-        </p:nvPicPr>
-        <p:blipFill>
-          <a:blip r:embed="rId5"/>
-          <a:stretch>
-            <a:fillRect/>
-          </a:stretch>
-        </p:blipFill>
-        <p:spPr>
-          <a:xfrm>
-            <a:off x="477262" y="2204864"/>
-            <a:ext cx="4115699" cy="2909478"/>
-          </a:xfrm>
-          <a:prstGeom prst="rect">
-            <a:avLst/>
-          </a:prstGeom>
-        </p:spPr>
-      </p:pic>
-      <p:pic>
-        <p:nvPicPr>
-          <p:cNvPr id="8" name="그림 7">
-            <a:extLst>
-              <a:ext uri="{FF2B5EF4-FFF2-40B4-BE49-F238E27FC236}">
-                <a16:creationId xmlns:a16="http://schemas.microsoft.com/office/drawing/2014/main" id="{717DF448-CB91-E02E-95B5-D3787E8AC066}"/>
-              </a:ext>
-            </a:extLst>
-          </p:cNvPr>
-          <p:cNvPicPr>
-            <a:picLocks noChangeAspect="1"/>
-          </p:cNvPicPr>
-          <p:nvPr/>
-        </p:nvPicPr>
-        <p:blipFill>
-          <a:blip r:embed="rId6"/>
-          <a:stretch>
-            <a:fillRect/>
-          </a:stretch>
-        </p:blipFill>
-        <p:spPr>
-          <a:xfrm>
-            <a:off x="5097016" y="1148755"/>
-            <a:ext cx="3240360" cy="2291397"/>
-          </a:xfrm>
-          <a:prstGeom prst="rect">
-            <a:avLst/>
-          </a:prstGeom>
-        </p:spPr>
-      </p:pic>
-      <p:pic>
-        <p:nvPicPr>
-          <p:cNvPr id="10" name="그림 9">
-            <a:extLst>
-              <a:ext uri="{FF2B5EF4-FFF2-40B4-BE49-F238E27FC236}">
-                <a16:creationId xmlns:a16="http://schemas.microsoft.com/office/drawing/2014/main" id="{0CC7EC6F-7570-660B-1659-A0C22CC1ABFD}"/>
-              </a:ext>
-            </a:extLst>
-          </p:cNvPr>
-          <p:cNvPicPr>
-            <a:picLocks noChangeAspect="1"/>
-          </p:cNvPicPr>
-          <p:nvPr/>
-        </p:nvPicPr>
-        <p:blipFill>
-          <a:blip r:embed="rId7"/>
-          <a:stretch>
-            <a:fillRect/>
-          </a:stretch>
-        </p:blipFill>
-        <p:spPr>
-          <a:xfrm>
-            <a:off x="5097016" y="3887649"/>
-            <a:ext cx="3240360" cy="2291397"/>
-          </a:xfrm>
-          <a:prstGeom prst="rect">
-            <a:avLst/>
-          </a:prstGeom>
-        </p:spPr>
-      </p:pic>
-      <mc:AlternateContent xmlns:mc="http://schemas.openxmlformats.org/markup-compatibility/2006">
-        <mc:Choice xmlns:a14="http://schemas.microsoft.com/office/drawing/2010/main" Requires="a14">
-          <p:sp>
-            <p:nvSpPr>
-              <p:cNvPr id="9" name="TextBox 8">
-                <a:extLst>
-                  <a:ext uri="{FF2B5EF4-FFF2-40B4-BE49-F238E27FC236}">
-                    <a16:creationId xmlns:a16="http://schemas.microsoft.com/office/drawing/2014/main" id="{D00ADF15-65E5-7456-633B-0ABBFD7CBEBB}"/>
-                  </a:ext>
-                </a:extLst>
-              </p:cNvPr>
-              <p:cNvSpPr txBox="1"/>
-              <p:nvPr/>
-            </p:nvSpPr>
-            <p:spPr>
-              <a:xfrm>
-                <a:off x="2576736" y="5445224"/>
-                <a:ext cx="1520801" cy="230832"/>
-              </a:xfrm>
-              <a:prstGeom prst="rect">
-                <a:avLst/>
-              </a:prstGeom>
-              <a:noFill/>
-            </p:spPr>
-            <p:txBody>
-              <a:bodyPr wrap="none" lIns="0" tIns="0" rIns="0" bIns="0" rtlCol="0">
-                <a:spAutoFit/>
-              </a:bodyPr>
-              <a:lstStyle/>
-              <a:p>
-                <a14:m>
-                  <m:oMathPara xmlns:m="http://schemas.openxmlformats.org/officeDocument/2006/math">
-                    <m:oMathParaPr>
-                      <m:jc m:val="centerGroup"/>
-                    </m:oMathParaPr>
-                    <m:oMath xmlns:m="http://schemas.openxmlformats.org/officeDocument/2006/math">
-                      <m:r>
-                        <a:rPr lang="en-US" altLang="ko-KR" b="0" i="1" smtClean="0">
-                          <a:latin typeface="Cambria Math" panose="02040503050406030204" pitchFamily="18" charset="0"/>
-                        </a:rPr>
-                        <m:t>𝑡𝑜𝑢𝑐h</m:t>
-                      </m:r>
-                      <m:r>
-                        <a:rPr lang="en-US" altLang="ko-KR" b="0" i="1" smtClean="0">
-                          <a:latin typeface="Cambria Math" panose="02040503050406030204" pitchFamily="18" charset="0"/>
-                        </a:rPr>
-                        <m:t> </m:t>
-                      </m:r>
-                      <m:r>
-                        <a:rPr lang="en-US" altLang="ko-KR" b="0" i="1" smtClean="0">
-                          <a:latin typeface="Cambria Math" panose="02040503050406030204" pitchFamily="18" charset="0"/>
-                        </a:rPr>
-                        <m:t>𝑓𝑙𝑎𝑔</m:t>
-                      </m:r>
-                      <m:r>
-                        <a:rPr lang="en-US" altLang="ko-KR" b="0" i="1" smtClean="0">
-                          <a:latin typeface="Cambria Math" panose="02040503050406030204" pitchFamily="18" charset="0"/>
-                        </a:rPr>
-                        <m:t>==1</m:t>
-                      </m:r>
-                    </m:oMath>
-                  </m:oMathPara>
-                </a14:m>
-                <a:endParaRPr lang="ko-KR" altLang="en-US" dirty="0"/>
-              </a:p>
-            </p:txBody>
-          </p:sp>
-        </mc:Choice>
-        <mc:Fallback>
-          <p:sp>
-            <p:nvSpPr>
-              <p:cNvPr id="9" name="TextBox 8">
-                <a:extLst>
-                  <a:ext uri="{FF2B5EF4-FFF2-40B4-BE49-F238E27FC236}">
-                    <a16:creationId xmlns:a16="http://schemas.microsoft.com/office/drawing/2014/main" id="{D00ADF15-65E5-7456-633B-0ABBFD7CBEBB}"/>
-                  </a:ext>
-                </a:extLst>
-              </p:cNvPr>
-              <p:cNvSpPr txBox="1">
-                <a:spLocks noRot="1" noChangeAspect="1" noMove="1" noResize="1" noEditPoints="1" noAdjustHandles="1" noChangeArrowheads="1" noChangeShapeType="1" noTextEdit="1"/>
-              </p:cNvSpPr>
-              <p:nvPr/>
-            </p:nvSpPr>
-            <p:spPr>
-              <a:xfrm>
-                <a:off x="2576736" y="5445224"/>
-                <a:ext cx="1520801" cy="230832"/>
-              </a:xfrm>
-              <a:prstGeom prst="rect">
-                <a:avLst/>
-              </a:prstGeom>
-              <a:blipFill>
-                <a:blip r:embed="rId8"/>
-                <a:stretch>
-                  <a:fillRect l="-1205" t="-2632" r="-803" b="-34211"/>
-                </a:stretch>
-              </a:blipFill>
-            </p:spPr>
-            <p:txBody>
-              <a:bodyPr/>
-              <a:lstStyle/>
-              <a:p>
-                <a:r>
-                  <a:rPr lang="ko-KR" altLang="en-US">
-                    <a:noFill/>
-                  </a:rPr>
-                  <a:t> </a:t>
-                </a:r>
-              </a:p>
-            </p:txBody>
-          </p:sp>
-        </mc:Fallback>
-      </mc:AlternateContent>
-      <mc:AlternateContent xmlns:mc="http://schemas.openxmlformats.org/markup-compatibility/2006">
-        <mc:Choice xmlns:a14="http://schemas.microsoft.com/office/drawing/2010/main" Requires="a14">
-          <p:sp>
-            <p:nvSpPr>
-              <p:cNvPr id="11" name="TextBox 10">
-                <a:extLst>
-                  <a:ext uri="{FF2B5EF4-FFF2-40B4-BE49-F238E27FC236}">
-                    <a16:creationId xmlns:a16="http://schemas.microsoft.com/office/drawing/2014/main" id="{64465AE4-7CB3-EAE6-9898-B185916D7C18}"/>
-                  </a:ext>
-                </a:extLst>
-              </p:cNvPr>
-              <p:cNvSpPr txBox="1"/>
-              <p:nvPr/>
-            </p:nvSpPr>
-            <p:spPr>
-              <a:xfrm>
-                <a:off x="2576736" y="5810792"/>
-                <a:ext cx="2103525" cy="230832"/>
-              </a:xfrm>
-              <a:prstGeom prst="rect">
-                <a:avLst/>
-              </a:prstGeom>
-              <a:noFill/>
-            </p:spPr>
-            <p:txBody>
-              <a:bodyPr wrap="none" lIns="0" tIns="0" rIns="0" bIns="0" rtlCol="0">
-                <a:spAutoFit/>
-              </a:bodyPr>
-              <a:lstStyle/>
-              <a:p>
-                <a14:m>
-                  <m:oMathPara xmlns:m="http://schemas.openxmlformats.org/officeDocument/2006/math">
-                    <m:oMathParaPr>
-                      <m:jc m:val="centerGroup"/>
-                    </m:oMathParaPr>
-                    <m:oMath xmlns:m="http://schemas.openxmlformats.org/officeDocument/2006/math">
-                      <m:sSub>
-                        <m:sSubPr>
-                          <m:ctrlPr>
-                            <a:rPr lang="en-US" altLang="ko-KR" b="0" i="1" smtClean="0">
-                              <a:latin typeface="Cambria Math" panose="02040503050406030204" pitchFamily="18" charset="0"/>
-                            </a:rPr>
-                          </m:ctrlPr>
-                        </m:sSubPr>
-                        <m:e>
-                          <m:r>
-                            <a:rPr lang="en-US" altLang="ko-KR" b="0" i="1" smtClean="0">
-                              <a:latin typeface="Cambria Math" panose="02040503050406030204" pitchFamily="18" charset="0"/>
-                            </a:rPr>
-                            <m:t>𝐼</m:t>
-                          </m:r>
-                        </m:e>
-                        <m:sub>
-                          <m:r>
-                            <a:rPr lang="en-US" altLang="ko-KR" b="0" i="1" smtClean="0">
-                              <a:latin typeface="Cambria Math" panose="02040503050406030204" pitchFamily="18" charset="0"/>
-                            </a:rPr>
-                            <m:t>𝑎𝑏𝑠</m:t>
-                          </m:r>
-                        </m:sub>
-                      </m:sSub>
-                      <m:r>
-                        <a:rPr lang="en-US" altLang="ko-KR" b="0" i="1" smtClean="0">
-                          <a:latin typeface="Cambria Math" panose="02040503050406030204" pitchFamily="18" charset="0"/>
-                        </a:rPr>
-                        <m:t>&gt;</m:t>
-                      </m:r>
-                      <m:r>
-                        <a:rPr lang="en-US" altLang="ko-KR" b="0" i="1" smtClean="0">
-                          <a:latin typeface="Cambria Math" panose="02040503050406030204" pitchFamily="18" charset="0"/>
-                        </a:rPr>
-                        <m:t>𝑠𝑙𝑖𝑝𝑖𝑛𝑔</m:t>
-                      </m:r>
-                      <m:r>
-                        <a:rPr lang="en-US" altLang="ko-KR" b="0" i="1" smtClean="0">
-                          <a:latin typeface="Cambria Math" panose="02040503050406030204" pitchFamily="18" charset="0"/>
-                        </a:rPr>
-                        <m:t> </m:t>
-                      </m:r>
-                      <m:r>
-                        <a:rPr lang="en-US" altLang="ko-KR" b="0" i="1" smtClean="0">
-                          <a:latin typeface="Cambria Math" panose="02040503050406030204" pitchFamily="18" charset="0"/>
-                        </a:rPr>
-                        <m:t>𝑡h𝑟𝑒𝑠h𝑜𝑙𝑑</m:t>
-                      </m:r>
-                    </m:oMath>
-                  </m:oMathPara>
-                </a14:m>
-                <a:endParaRPr lang="ko-KR" altLang="en-US" dirty="0"/>
-              </a:p>
-            </p:txBody>
-          </p:sp>
-        </mc:Choice>
-        <mc:Fallback>
-          <p:sp>
-            <p:nvSpPr>
-              <p:cNvPr id="11" name="TextBox 10">
-                <a:extLst>
-                  <a:ext uri="{FF2B5EF4-FFF2-40B4-BE49-F238E27FC236}">
-                    <a16:creationId xmlns:a16="http://schemas.microsoft.com/office/drawing/2014/main" id="{64465AE4-7CB3-EAE6-9898-B185916D7C18}"/>
-                  </a:ext>
-                </a:extLst>
-              </p:cNvPr>
-              <p:cNvSpPr txBox="1">
-                <a:spLocks noRot="1" noChangeAspect="1" noMove="1" noResize="1" noEditPoints="1" noAdjustHandles="1" noChangeArrowheads="1" noChangeShapeType="1" noTextEdit="1"/>
-              </p:cNvSpPr>
-              <p:nvPr/>
-            </p:nvSpPr>
-            <p:spPr>
-              <a:xfrm>
-                <a:off x="2576736" y="5810792"/>
-                <a:ext cx="2103525" cy="230832"/>
-              </a:xfrm>
-              <a:prstGeom prst="rect">
-                <a:avLst/>
-              </a:prstGeom>
-              <a:blipFill>
-                <a:blip r:embed="rId9"/>
-                <a:stretch>
-                  <a:fillRect l="-1739" t="-2632" r="-1159" b="-34211"/>
-                </a:stretch>
-              </a:blipFill>
-            </p:spPr>
-            <p:txBody>
-              <a:bodyPr/>
-              <a:lstStyle/>
-              <a:p>
-                <a:r>
-                  <a:rPr lang="ko-KR" altLang="en-US">
-                    <a:noFill/>
-                  </a:rPr>
-                  <a:t> </a:t>
-                </a:r>
-              </a:p>
-            </p:txBody>
-          </p:sp>
-        </mc:Fallback>
-      </mc:AlternateContent>
-      <mc:AlternateContent xmlns:mc="http://schemas.openxmlformats.org/markup-compatibility/2006">
-        <mc:Choice xmlns:a14="http://schemas.microsoft.com/office/drawing/2010/main" Requires="a14">
-          <p:sp>
-            <p:nvSpPr>
-              <p:cNvPr id="12" name="TextBox 11">
-                <a:extLst>
-                  <a:ext uri="{FF2B5EF4-FFF2-40B4-BE49-F238E27FC236}">
-                    <a16:creationId xmlns:a16="http://schemas.microsoft.com/office/drawing/2014/main" id="{7B5B2C87-59F8-7208-BE02-FEAA82A23B47}"/>
-                  </a:ext>
-                </a:extLst>
-              </p:cNvPr>
-              <p:cNvSpPr txBox="1"/>
-              <p:nvPr/>
-            </p:nvSpPr>
-            <p:spPr>
-              <a:xfrm>
-                <a:off x="2576736" y="6180112"/>
-                <a:ext cx="2151551" cy="230832"/>
-              </a:xfrm>
-              <a:prstGeom prst="rect">
-                <a:avLst/>
-              </a:prstGeom>
-              <a:noFill/>
-            </p:spPr>
-            <p:txBody>
-              <a:bodyPr wrap="none" lIns="0" tIns="0" rIns="0" bIns="0" rtlCol="0">
-                <a:spAutoFit/>
-              </a:bodyPr>
-              <a:lstStyle/>
-              <a:p>
-                <a14:m>
-                  <m:oMathPara xmlns:m="http://schemas.openxmlformats.org/officeDocument/2006/math">
-                    <m:oMathParaPr>
-                      <m:jc m:val="centerGroup"/>
-                    </m:oMathParaPr>
-                    <m:oMath xmlns:m="http://schemas.openxmlformats.org/officeDocument/2006/math">
-                      <m:r>
-                        <a:rPr lang="en-US" altLang="ko-KR" b="0" i="1" smtClean="0">
-                          <a:latin typeface="Cambria Math" panose="02040503050406030204" pitchFamily="18" charset="0"/>
-                        </a:rPr>
-                        <m:t>𝑑𝐼</m:t>
-                      </m:r>
-                      <m:r>
-                        <a:rPr lang="en-US" altLang="ko-KR" b="0" i="1" smtClean="0">
-                          <a:latin typeface="Cambria Math" panose="02040503050406030204" pitchFamily="18" charset="0"/>
-                        </a:rPr>
-                        <m:t>&gt;</m:t>
-                      </m:r>
-                      <m:r>
-                        <a:rPr lang="en-US" altLang="ko-KR" b="0" i="1" smtClean="0">
-                          <a:latin typeface="Cambria Math" panose="02040503050406030204" pitchFamily="18" charset="0"/>
-                        </a:rPr>
-                        <m:t>𝑠𝑙𝑖𝑝</m:t>
-                      </m:r>
-                      <m:r>
-                        <a:rPr lang="en-US" altLang="ko-KR" b="0" i="1" smtClean="0">
-                          <a:latin typeface="Cambria Math" panose="02040503050406030204" pitchFamily="18" charset="0"/>
-                        </a:rPr>
-                        <m:t> </m:t>
-                      </m:r>
-                      <m:r>
-                        <a:rPr lang="en-US" altLang="ko-KR" b="0" i="1" smtClean="0">
-                          <a:latin typeface="Cambria Math" panose="02040503050406030204" pitchFamily="18" charset="0"/>
-                        </a:rPr>
-                        <m:t>𝑑𝑟𝑜𝑝</m:t>
-                      </m:r>
-                      <m:r>
-                        <a:rPr lang="en-US" altLang="ko-KR" b="0" i="1" smtClean="0">
-                          <a:latin typeface="Cambria Math" panose="02040503050406030204" pitchFamily="18" charset="0"/>
-                        </a:rPr>
-                        <m:t> </m:t>
-                      </m:r>
-                      <m:r>
-                        <a:rPr lang="en-US" altLang="ko-KR" b="0" i="1" smtClean="0">
-                          <a:latin typeface="Cambria Math" panose="02040503050406030204" pitchFamily="18" charset="0"/>
-                        </a:rPr>
-                        <m:t>𝑡h𝑟𝑒𝑠h𝑜𝑙𝑑</m:t>
-                      </m:r>
-                    </m:oMath>
-                  </m:oMathPara>
-                </a14:m>
-                <a:endParaRPr lang="ko-KR" altLang="en-US" dirty="0"/>
-              </a:p>
-            </p:txBody>
-          </p:sp>
-        </mc:Choice>
-        <mc:Fallback>
-          <p:sp>
-            <p:nvSpPr>
-              <p:cNvPr id="12" name="TextBox 11">
-                <a:extLst>
-                  <a:ext uri="{FF2B5EF4-FFF2-40B4-BE49-F238E27FC236}">
-                    <a16:creationId xmlns:a16="http://schemas.microsoft.com/office/drawing/2014/main" id="{7B5B2C87-59F8-7208-BE02-FEAA82A23B47}"/>
-                  </a:ext>
-                </a:extLst>
-              </p:cNvPr>
-              <p:cNvSpPr txBox="1">
-                <a:spLocks noRot="1" noChangeAspect="1" noMove="1" noResize="1" noEditPoints="1" noAdjustHandles="1" noChangeArrowheads="1" noChangeShapeType="1" noTextEdit="1"/>
-              </p:cNvSpPr>
-              <p:nvPr/>
-            </p:nvSpPr>
-            <p:spPr>
-              <a:xfrm>
-                <a:off x="2576736" y="6180112"/>
-                <a:ext cx="2151551" cy="230832"/>
-              </a:xfrm>
-              <a:prstGeom prst="rect">
-                <a:avLst/>
-              </a:prstGeom>
-              <a:blipFill>
-                <a:blip r:embed="rId10"/>
-                <a:stretch>
-                  <a:fillRect l="-1983" t="-2632" r="-1133" b="-34211"/>
-                </a:stretch>
-              </a:blipFill>
-            </p:spPr>
-            <p:txBody>
-              <a:bodyPr/>
-              <a:lstStyle/>
-              <a:p>
-                <a:r>
-                  <a:rPr lang="ko-KR" altLang="en-US">
-                    <a:noFill/>
-                  </a:rPr>
-                  <a:t> </a:t>
-                </a:r>
-              </a:p>
-            </p:txBody>
-          </p:sp>
-        </mc:Fallback>
-      </mc:AlternateContent>
-    </p:spTree>
-    <p:extLst>
-      <p:ext uri="{BB962C8B-B14F-4D97-AF65-F5344CB8AC3E}">
-        <p14:creationId xmlns:p14="http://schemas.microsoft.com/office/powerpoint/2010/main" val="947932058"/>
       </p:ext>
     </p:extLst>
   </p:cSld>
